--- a/doc/Rails_Database_Schema_Models.pptx
+++ b/doc/Rails_Database_Schema_Models.pptx
@@ -289,7 +289,8 @@
           <a:p>
             <a:fld id="{DBDF9CF9-06D1-9D44-9532-563D31EB50E9}" type="datetimeFigureOut">
               <a:rPr lang="en-US" smtClean="0"/>
-              <a:t>12/27/11</a:t>
+              <a:pPr/>
+              <a:t>12/29/11</a:t>
             </a:fld>
             <a:endParaRPr lang="en-US"/>
           </a:p>
@@ -331,6 +332,7 @@
           <a:p>
             <a:fld id="{63359291-A4D5-4347-81B4-8757BBC54168}" type="slidenum">
               <a:rPr lang="en-US" smtClean="0"/>
+              <a:pPr/>
               <a:t>‹#›</a:t>
             </a:fld>
             <a:endParaRPr lang="en-US"/>
@@ -454,7 +456,8 @@
           <a:p>
             <a:fld id="{DBDF9CF9-06D1-9D44-9532-563D31EB50E9}" type="datetimeFigureOut">
               <a:rPr lang="en-US" smtClean="0"/>
-              <a:t>12/27/11</a:t>
+              <a:pPr/>
+              <a:t>12/29/11</a:t>
             </a:fld>
             <a:endParaRPr lang="en-US"/>
           </a:p>
@@ -496,6 +499,7 @@
           <a:p>
             <a:fld id="{63359291-A4D5-4347-81B4-8757BBC54168}" type="slidenum">
               <a:rPr lang="en-US" smtClean="0"/>
+              <a:pPr/>
               <a:t>‹#›</a:t>
             </a:fld>
             <a:endParaRPr lang="en-US"/>
@@ -629,7 +633,8 @@
           <a:p>
             <a:fld id="{DBDF9CF9-06D1-9D44-9532-563D31EB50E9}" type="datetimeFigureOut">
               <a:rPr lang="en-US" smtClean="0"/>
-              <a:t>12/27/11</a:t>
+              <a:pPr/>
+              <a:t>12/29/11</a:t>
             </a:fld>
             <a:endParaRPr lang="en-US"/>
           </a:p>
@@ -671,6 +676,7 @@
           <a:p>
             <a:fld id="{63359291-A4D5-4347-81B4-8757BBC54168}" type="slidenum">
               <a:rPr lang="en-US" smtClean="0"/>
+              <a:pPr/>
               <a:t>‹#›</a:t>
             </a:fld>
             <a:endParaRPr lang="en-US"/>
@@ -794,7 +800,8 @@
           <a:p>
             <a:fld id="{DBDF9CF9-06D1-9D44-9532-563D31EB50E9}" type="datetimeFigureOut">
               <a:rPr lang="en-US" smtClean="0"/>
-              <a:t>12/27/11</a:t>
+              <a:pPr/>
+              <a:t>12/29/11</a:t>
             </a:fld>
             <a:endParaRPr lang="en-US"/>
           </a:p>
@@ -836,6 +843,7 @@
           <a:p>
             <a:fld id="{63359291-A4D5-4347-81B4-8757BBC54168}" type="slidenum">
               <a:rPr lang="en-US" smtClean="0"/>
+              <a:pPr/>
               <a:t>‹#›</a:t>
             </a:fld>
             <a:endParaRPr lang="en-US"/>
@@ -1035,7 +1043,8 @@
           <a:p>
             <a:fld id="{DBDF9CF9-06D1-9D44-9532-563D31EB50E9}" type="datetimeFigureOut">
               <a:rPr lang="en-US" smtClean="0"/>
-              <a:t>12/27/11</a:t>
+              <a:pPr/>
+              <a:t>12/29/11</a:t>
             </a:fld>
             <a:endParaRPr lang="en-US"/>
           </a:p>
@@ -1077,6 +1086,7 @@
           <a:p>
             <a:fld id="{63359291-A4D5-4347-81B4-8757BBC54168}" type="slidenum">
               <a:rPr lang="en-US" smtClean="0"/>
+              <a:pPr/>
               <a:t>‹#›</a:t>
             </a:fld>
             <a:endParaRPr lang="en-US"/>
@@ -1318,7 +1328,8 @@
           <a:p>
             <a:fld id="{DBDF9CF9-06D1-9D44-9532-563D31EB50E9}" type="datetimeFigureOut">
               <a:rPr lang="en-US" smtClean="0"/>
-              <a:t>12/27/11</a:t>
+              <a:pPr/>
+              <a:t>12/29/11</a:t>
             </a:fld>
             <a:endParaRPr lang="en-US"/>
           </a:p>
@@ -1360,6 +1371,7 @@
           <a:p>
             <a:fld id="{63359291-A4D5-4347-81B4-8757BBC54168}" type="slidenum">
               <a:rPr lang="en-US" smtClean="0"/>
+              <a:pPr/>
               <a:t>‹#›</a:t>
             </a:fld>
             <a:endParaRPr lang="en-US"/>
@@ -1735,7 +1747,8 @@
           <a:p>
             <a:fld id="{DBDF9CF9-06D1-9D44-9532-563D31EB50E9}" type="datetimeFigureOut">
               <a:rPr lang="en-US" smtClean="0"/>
-              <a:t>12/27/11</a:t>
+              <a:pPr/>
+              <a:t>12/29/11</a:t>
             </a:fld>
             <a:endParaRPr lang="en-US"/>
           </a:p>
@@ -1777,6 +1790,7 @@
           <a:p>
             <a:fld id="{63359291-A4D5-4347-81B4-8757BBC54168}" type="slidenum">
               <a:rPr lang="en-US" smtClean="0"/>
+              <a:pPr/>
               <a:t>‹#›</a:t>
             </a:fld>
             <a:endParaRPr lang="en-US"/>
@@ -1848,7 +1862,8 @@
           <a:p>
             <a:fld id="{DBDF9CF9-06D1-9D44-9532-563D31EB50E9}" type="datetimeFigureOut">
               <a:rPr lang="en-US" smtClean="0"/>
-              <a:t>12/27/11</a:t>
+              <a:pPr/>
+              <a:t>12/29/11</a:t>
             </a:fld>
             <a:endParaRPr lang="en-US"/>
           </a:p>
@@ -1890,6 +1905,7 @@
           <a:p>
             <a:fld id="{63359291-A4D5-4347-81B4-8757BBC54168}" type="slidenum">
               <a:rPr lang="en-US" smtClean="0"/>
+              <a:pPr/>
               <a:t>‹#›</a:t>
             </a:fld>
             <a:endParaRPr lang="en-US"/>
@@ -1938,7 +1954,8 @@
           <a:p>
             <a:fld id="{DBDF9CF9-06D1-9D44-9532-563D31EB50E9}" type="datetimeFigureOut">
               <a:rPr lang="en-US" smtClean="0"/>
-              <a:t>12/27/11</a:t>
+              <a:pPr/>
+              <a:t>12/29/11</a:t>
             </a:fld>
             <a:endParaRPr lang="en-US"/>
           </a:p>
@@ -1980,6 +1997,7 @@
           <a:p>
             <a:fld id="{63359291-A4D5-4347-81B4-8757BBC54168}" type="slidenum">
               <a:rPr lang="en-US" smtClean="0"/>
+              <a:pPr/>
               <a:t>‹#›</a:t>
             </a:fld>
             <a:endParaRPr lang="en-US"/>
@@ -2210,7 +2228,8 @@
           <a:p>
             <a:fld id="{DBDF9CF9-06D1-9D44-9532-563D31EB50E9}" type="datetimeFigureOut">
               <a:rPr lang="en-US" smtClean="0"/>
-              <a:t>12/27/11</a:t>
+              <a:pPr/>
+              <a:t>12/29/11</a:t>
             </a:fld>
             <a:endParaRPr lang="en-US"/>
           </a:p>
@@ -2252,6 +2271,7 @@
           <a:p>
             <a:fld id="{63359291-A4D5-4347-81B4-8757BBC54168}" type="slidenum">
               <a:rPr lang="en-US" smtClean="0"/>
+              <a:pPr/>
               <a:t>‹#›</a:t>
             </a:fld>
             <a:endParaRPr lang="en-US"/>
@@ -2458,7 +2478,8 @@
           <a:p>
             <a:fld id="{DBDF9CF9-06D1-9D44-9532-563D31EB50E9}" type="datetimeFigureOut">
               <a:rPr lang="en-US" smtClean="0"/>
-              <a:t>12/27/11</a:t>
+              <a:pPr/>
+              <a:t>12/29/11</a:t>
             </a:fld>
             <a:endParaRPr lang="en-US"/>
           </a:p>
@@ -2500,6 +2521,7 @@
           <a:p>
             <a:fld id="{63359291-A4D5-4347-81B4-8757BBC54168}" type="slidenum">
               <a:rPr lang="en-US" smtClean="0"/>
+              <a:pPr/>
               <a:t>‹#›</a:t>
             </a:fld>
             <a:endParaRPr lang="en-US"/>
@@ -2666,7 +2688,8 @@
           <a:p>
             <a:fld id="{DBDF9CF9-06D1-9D44-9532-563D31EB50E9}" type="datetimeFigureOut">
               <a:rPr lang="en-US" smtClean="0"/>
-              <a:t>12/27/11</a:t>
+              <a:pPr/>
+              <a:t>12/29/11</a:t>
             </a:fld>
             <a:endParaRPr lang="en-US"/>
           </a:p>
@@ -2744,6 +2767,7 @@
           <a:p>
             <a:fld id="{63359291-A4D5-4347-81B4-8757BBC54168}" type="slidenum">
               <a:rPr lang="en-US" smtClean="0"/>
+              <a:pPr/>
               <a:t>‹#›</a:t>
             </a:fld>
             <a:endParaRPr lang="en-US"/>
@@ -3044,7 +3068,7 @@
         </p:nvSpPr>
         <p:spPr>
           <a:xfrm>
-            <a:off x="3779535" y="1431332"/>
+            <a:off x="3779535" y="1179505"/>
             <a:ext cx="1360639" cy="403190"/>
           </a:xfrm>
           <a:prstGeom prst="rect">
@@ -3102,7 +3126,7 @@
         </p:nvSpPr>
         <p:spPr>
           <a:xfrm>
-            <a:off x="3779535" y="2348588"/>
+            <a:off x="3779535" y="2096761"/>
             <a:ext cx="1360639" cy="403190"/>
           </a:xfrm>
           <a:prstGeom prst="rect">
@@ -3160,7 +3184,7 @@
         </p:nvSpPr>
         <p:spPr>
           <a:xfrm>
-            <a:off x="3781917" y="3296084"/>
+            <a:off x="3781917" y="3044257"/>
             <a:ext cx="1360639" cy="403190"/>
           </a:xfrm>
           <a:prstGeom prst="rect">
@@ -3212,71 +3236,13 @@
       </p:sp>
       <p:sp>
         <p:nvSpPr>
-          <p:cNvPr id="8" name="Rectangle 7"/>
-          <p:cNvSpPr/>
-          <p:nvPr/>
-        </p:nvSpPr>
-        <p:spPr>
-          <a:xfrm>
-            <a:off x="3775565" y="4243579"/>
-            <a:ext cx="1360639" cy="403190"/>
-          </a:xfrm>
-          <a:prstGeom prst="rect">
-            <a:avLst/>
-          </a:prstGeom>
-          <a:noFill/>
-          <a:effectLst/>
-        </p:spPr>
-        <p:style>
-          <a:lnRef idx="1">
-            <a:schemeClr val="accent1"/>
-          </a:lnRef>
-          <a:fillRef idx="3">
-            <a:schemeClr val="accent1"/>
-          </a:fillRef>
-          <a:effectRef idx="2">
-            <a:schemeClr val="accent1"/>
-          </a:effectRef>
-          <a:fontRef idx="minor">
-            <a:schemeClr val="lt1"/>
-          </a:fontRef>
-        </p:style>
-        <p:txBody>
-          <a:bodyPr rtlCol="0" anchor="ctr"/>
-          <a:lstStyle/>
-          <a:p>
-            <a:pPr algn="ctr"/>
-            <a:r>
-              <a:rPr lang="en-US" sz="1200" dirty="0" smtClean="0">
-                <a:solidFill>
-                  <a:schemeClr val="tx1">
-                    <a:lumMod val="50000"/>
-                    <a:lumOff val="50000"/>
-                  </a:schemeClr>
-                </a:solidFill>
-              </a:rPr>
-              <a:t>Product</a:t>
-            </a:r>
-            <a:endParaRPr lang="en-US" sz="1200" dirty="0">
-              <a:solidFill>
-                <a:schemeClr val="tx1">
-                  <a:lumMod val="50000"/>
-                  <a:lumOff val="50000"/>
-                </a:schemeClr>
-              </a:solidFill>
-            </a:endParaRPr>
-          </a:p>
-        </p:txBody>
-      </p:sp>
-      <p:sp>
-        <p:nvSpPr>
           <p:cNvPr id="9" name="Rectangle 8"/>
           <p:cNvSpPr/>
           <p:nvPr/>
         </p:nvSpPr>
         <p:spPr>
           <a:xfrm>
-            <a:off x="1875880" y="997887"/>
+            <a:off x="1875880" y="746060"/>
             <a:ext cx="1360639" cy="403190"/>
           </a:xfrm>
           <a:prstGeom prst="rect">
@@ -3334,7 +3300,7 @@
         </p:nvSpPr>
         <p:spPr>
           <a:xfrm>
-            <a:off x="975044" y="1774028"/>
+            <a:off x="975044" y="1522201"/>
             <a:ext cx="1360639" cy="403190"/>
           </a:xfrm>
           <a:prstGeom prst="rect">
@@ -3392,7 +3358,7 @@
         </p:nvSpPr>
         <p:spPr>
           <a:xfrm>
-            <a:off x="1713233" y="2338498"/>
+            <a:off x="1713233" y="2086671"/>
             <a:ext cx="1360639" cy="403190"/>
           </a:xfrm>
           <a:prstGeom prst="rect">
@@ -3450,7 +3416,7 @@
         </p:nvSpPr>
         <p:spPr>
           <a:xfrm>
-            <a:off x="1733558" y="1431317"/>
+            <a:off x="1733558" y="1179490"/>
             <a:ext cx="618464" cy="312471"/>
           </a:xfrm>
           <a:prstGeom prst="upArrow">
@@ -3489,7 +3455,7 @@
         </p:nvSpPr>
         <p:spPr>
           <a:xfrm>
-            <a:off x="2393553" y="1431317"/>
+            <a:off x="2393553" y="1179490"/>
             <a:ext cx="618464" cy="342711"/>
           </a:xfrm>
           <a:prstGeom prst="upArrow">
@@ -3528,7 +3494,7 @@
         </p:nvSpPr>
         <p:spPr>
           <a:xfrm>
-            <a:off x="2549939" y="1774028"/>
+            <a:off x="2549939" y="1522201"/>
             <a:ext cx="312443" cy="534230"/>
           </a:xfrm>
           <a:prstGeom prst="rect">
@@ -3567,10 +3533,10 @@
         </p:nvGrpSpPr>
         <p:grpSpPr>
           <a:xfrm>
-            <a:off x="4448982" y="1835316"/>
-            <a:ext cx="13255" cy="514066"/>
-            <a:chOff x="5406487" y="1432116"/>
-            <a:chExt cx="13255" cy="514066"/>
+            <a:off x="4459061" y="1572540"/>
+            <a:ext cx="3176" cy="514066"/>
+            <a:chOff x="5416566" y="1421167"/>
+            <a:chExt cx="3176" cy="514066"/>
           </a:xfrm>
         </p:grpSpPr>
         <p:cxnSp>
@@ -3584,7 +3550,7 @@
           </p:nvCxnSpPr>
           <p:spPr>
             <a:xfrm rot="5400000">
-              <a:off x="5150248" y="1688355"/>
+              <a:off x="5160327" y="1677406"/>
               <a:ext cx="514066" cy="1588"/>
             </a:xfrm>
             <a:prstGeom prst="straightConnector1">
@@ -3649,16 +3615,16 @@
       </p:grpSp>
       <p:grpSp>
         <p:nvGrpSpPr>
-          <p:cNvPr id="26" name="Group 25"/>
+          <p:cNvPr id="67" name="Group 66"/>
           <p:cNvGrpSpPr/>
           <p:nvPr/>
         </p:nvGrpSpPr>
         <p:grpSpPr>
           <a:xfrm>
-            <a:off x="4462237" y="3729513"/>
-            <a:ext cx="3176" cy="514066"/>
-            <a:chOff x="5416566" y="1432116"/>
-            <a:chExt cx="3176" cy="514066"/>
+            <a:off x="4590437" y="3447447"/>
+            <a:ext cx="3176" cy="1255990"/>
+            <a:chOff x="4590437" y="3447447"/>
+            <a:chExt cx="3176" cy="1255990"/>
           </a:xfrm>
         </p:grpSpPr>
         <p:cxnSp>
@@ -3669,8 +3635,8 @@
           </p:nvCxnSpPr>
           <p:spPr>
             <a:xfrm rot="5400000">
-              <a:off x="5160327" y="1688355"/>
-              <a:ext cx="514066" cy="1588"/>
+              <a:off x="3964824" y="4074648"/>
+              <a:ext cx="1255990" cy="1588"/>
             </a:xfrm>
             <a:prstGeom prst="straightConnector1">
               <a:avLst/>
@@ -3704,7 +3670,7 @@
           </p:nvCxnSpPr>
           <p:spPr>
             <a:xfrm rot="5400000">
-              <a:off x="5261711" y="1682514"/>
+              <a:off x="4433994" y="4438883"/>
               <a:ext cx="314474" cy="1588"/>
             </a:xfrm>
             <a:prstGeom prst="straightConnector1">
@@ -3740,7 +3706,7 @@
         </p:nvGrpSpPr>
         <p:grpSpPr>
           <a:xfrm>
-            <a:off x="4455885" y="2782018"/>
+            <a:off x="4455885" y="2530191"/>
             <a:ext cx="3176" cy="514066"/>
             <a:chOff x="5416566" y="1432116"/>
             <a:chExt cx="3176" cy="514066"/>
@@ -3825,8 +3791,8 @@
         </p:nvCxnSpPr>
         <p:spPr>
           <a:xfrm rot="5400000">
-            <a:off x="1683875" y="3607752"/>
-            <a:ext cx="1733719" cy="1589"/>
+            <a:off x="1700460" y="3240806"/>
+            <a:ext cx="1501892" cy="1"/>
           </a:xfrm>
           <a:prstGeom prst="straightConnector1">
             <a:avLst/>
@@ -3860,7 +3826,7 @@
         </p:nvCxnSpPr>
         <p:spPr>
           <a:xfrm rot="5400000">
-            <a:off x="2479356" y="3134804"/>
+            <a:off x="2479356" y="2882977"/>
             <a:ext cx="766053" cy="1588"/>
           </a:xfrm>
           <a:prstGeom prst="straightConnector1">
@@ -3895,7 +3861,7 @@
         </p:nvCxnSpPr>
         <p:spPr>
           <a:xfrm>
-            <a:off x="2861588" y="3518625"/>
+            <a:off x="2861588" y="3266798"/>
             <a:ext cx="913977" cy="1588"/>
           </a:xfrm>
           <a:prstGeom prst="straightConnector1">
@@ -3929,7 +3895,7 @@
         </p:nvCxnSpPr>
         <p:spPr>
           <a:xfrm>
-            <a:off x="3161091" y="3520213"/>
+            <a:off x="3161091" y="3268386"/>
             <a:ext cx="511249" cy="1588"/>
           </a:xfrm>
           <a:prstGeom prst="straightConnector1">
@@ -3955,6 +3921,64 @@
           </a:fontRef>
         </p:style>
       </p:cxnSp>
+      <p:sp>
+        <p:nvSpPr>
+          <p:cNvPr id="8" name="Rectangle 7"/>
+          <p:cNvSpPr/>
+          <p:nvPr/>
+        </p:nvSpPr>
+        <p:spPr>
+          <a:xfrm>
+            <a:off x="3775565" y="4703437"/>
+            <a:ext cx="1360639" cy="403190"/>
+          </a:xfrm>
+          <a:prstGeom prst="rect">
+            <a:avLst/>
+          </a:prstGeom>
+          <a:noFill/>
+          <a:effectLst/>
+        </p:spPr>
+        <p:style>
+          <a:lnRef idx="1">
+            <a:schemeClr val="accent1"/>
+          </a:lnRef>
+          <a:fillRef idx="3">
+            <a:schemeClr val="accent1"/>
+          </a:fillRef>
+          <a:effectRef idx="2">
+            <a:schemeClr val="accent1"/>
+          </a:effectRef>
+          <a:fontRef idx="minor">
+            <a:schemeClr val="lt1"/>
+          </a:fontRef>
+        </p:style>
+        <p:txBody>
+          <a:bodyPr rtlCol="0" anchor="ctr"/>
+          <a:lstStyle/>
+          <a:p>
+            <a:pPr algn="ctr"/>
+            <a:r>
+              <a:rPr lang="en-US" sz="1200" dirty="0" smtClean="0">
+                <a:solidFill>
+                  <a:schemeClr val="tx1">
+                    <a:lumMod val="50000"/>
+                    <a:lumOff val="50000"/>
+                  </a:schemeClr>
+                </a:solidFill>
+              </a:rPr>
+              <a:t>Product</a:t>
+            </a:r>
+            <a:endParaRPr lang="en-US" sz="1200" dirty="0">
+              <a:solidFill>
+                <a:schemeClr val="tx1">
+                  <a:lumMod val="50000"/>
+                  <a:lumOff val="50000"/>
+                </a:schemeClr>
+              </a:solidFill>
+            </a:endParaRPr>
+          </a:p>
+        </p:txBody>
+      </p:sp>
       <p:cxnSp>
         <p:nvCxnSpPr>
           <p:cNvPr id="45" name="Straight Arrow Connector 44"/>
@@ -3963,8 +3987,8 @@
         </p:nvCxnSpPr>
         <p:spPr>
           <a:xfrm>
-            <a:off x="2549939" y="4458853"/>
-            <a:ext cx="1236920" cy="1588"/>
+            <a:off x="2048001" y="4920299"/>
+            <a:ext cx="1738858" cy="1588"/>
           </a:xfrm>
           <a:prstGeom prst="straightConnector1">
             <a:avLst/>
@@ -3997,7 +4021,7 @@
         </p:nvCxnSpPr>
         <p:spPr>
           <a:xfrm>
-            <a:off x="3172385" y="4458853"/>
+            <a:off x="3172385" y="4918711"/>
             <a:ext cx="511249" cy="1588"/>
           </a:xfrm>
           <a:prstGeom prst="straightConnector1">
@@ -4031,7 +4055,7 @@
         </p:nvCxnSpPr>
         <p:spPr>
           <a:xfrm>
-            <a:off x="5142556" y="4457265"/>
+            <a:off x="5142556" y="4917123"/>
             <a:ext cx="1236920" cy="1588"/>
           </a:xfrm>
           <a:prstGeom prst="straightConnector1">
@@ -4066,7 +4090,7 @@
         </p:nvSpPr>
         <p:spPr>
           <a:xfrm>
-            <a:off x="6379476" y="4273811"/>
+            <a:off x="6379476" y="4733669"/>
             <a:ext cx="1360639" cy="403190"/>
           </a:xfrm>
           <a:prstGeom prst="rect">
@@ -4129,66 +4153,52 @@
       </p:sp>
       <p:sp>
         <p:nvSpPr>
-          <p:cNvPr id="52" name="Rectangle 51"/>
-          <p:cNvSpPr/>
+          <p:cNvPr id="53" name="TextBox 52"/>
+          <p:cNvSpPr txBox="1"/>
           <p:nvPr/>
         </p:nvSpPr>
         <p:spPr>
           <a:xfrm>
-            <a:off x="604729" y="574545"/>
-            <a:ext cx="5180508" cy="5261622"/>
+            <a:off x="537787" y="5403675"/>
+            <a:ext cx="6634395" cy="307777"/>
           </a:xfrm>
           <a:prstGeom prst="rect">
             <a:avLst/>
           </a:prstGeom>
           <a:noFill/>
-          <a:ln w="3175" cap="flat" cmpd="sng" algn="ctr">
-            <a:solidFill>
-              <a:schemeClr val="accent1">
-                <a:shade val="95000"/>
-                <a:satMod val="105000"/>
-              </a:schemeClr>
-            </a:solidFill>
-            <a:prstDash val="sysDash"/>
-            <a:round/>
-            <a:headEnd type="none" w="med" len="med"/>
-            <a:tailEnd type="none" w="med" len="med"/>
-          </a:ln>
-          <a:effectLst/>
-        </p:spPr>
-        <p:style>
-          <a:lnRef idx="1">
-            <a:schemeClr val="accent1"/>
-          </a:lnRef>
-          <a:fillRef idx="3">
-            <a:schemeClr val="accent1"/>
-          </a:fillRef>
-          <a:effectRef idx="2">
-            <a:schemeClr val="accent1"/>
-          </a:effectRef>
-          <a:fontRef idx="minor">
-            <a:schemeClr val="lt1"/>
-          </a:fontRef>
-        </p:style>
-        <p:txBody>
-          <a:bodyPr rtlCol="0" anchor="ctr"/>
-          <a:lstStyle/>
-          <a:p>
-            <a:pPr algn="ctr"/>
-            <a:endParaRPr lang="en-US"/>
-          </a:p>
-        </p:txBody>
-      </p:sp>
-      <p:sp>
-        <p:nvSpPr>
-          <p:cNvPr id="53" name="TextBox 52"/>
+        </p:spPr>
+        <p:txBody>
+          <a:bodyPr wrap="square" rtlCol="0">
+            <a:spAutoFit/>
+          </a:bodyPr>
+          <a:lstStyle/>
+          <a:p>
+            <a:r>
+              <a:rPr lang="en-US" sz="1400" dirty="0"/>
+              <a:t>S</a:t>
+            </a:r>
+            <a:r>
+              <a:rPr lang="en-US" sz="1400" dirty="0" smtClean="0"/>
+              <a:t>chema of  Rails database — or at least the part of it related to products  [ in ‘Model 2’ </a:t>
+            </a:r>
+            <a:r>
+              <a:rPr lang="en-US" sz="1400" dirty="0" smtClean="0"/>
+              <a:t>].  </a:t>
+            </a:r>
+            <a:endParaRPr lang="en-US" sz="1400" dirty="0"/>
+          </a:p>
+        </p:txBody>
+      </p:sp>
+      <p:sp>
+        <p:nvSpPr>
+          <p:cNvPr id="54" name="TextBox 53"/>
           <p:cNvSpPr txBox="1"/>
           <p:nvPr/>
         </p:nvSpPr>
         <p:spPr>
           <a:xfrm>
-            <a:off x="1305326" y="5060027"/>
-            <a:ext cx="3711530" cy="523220"/>
+            <a:off x="638331" y="200022"/>
+            <a:ext cx="6950004" cy="261610"/>
           </a:xfrm>
           <a:prstGeom prst="rect">
             <a:avLst/>
@@ -4202,27 +4212,31 @@
           <a:lstStyle/>
           <a:p>
             <a:r>
-              <a:rPr lang="en-US" sz="1400" dirty="0"/>
-              <a:t>S</a:t>
-            </a:r>
-            <a:r>
-              <a:rPr lang="en-US" sz="1400" dirty="0" smtClean="0"/>
-              <a:t>chema of  Rails database — or at least the part of it related to products  [ in ‘Model 2’ ]</a:t>
-            </a:r>
-            <a:endParaRPr lang="en-US" sz="1400" dirty="0"/>
-          </a:p>
-        </p:txBody>
-      </p:sp>
-      <p:sp>
-        <p:nvSpPr>
-          <p:cNvPr id="54" name="TextBox 53"/>
+              <a:rPr lang="en-US" sz="1100" i="1" dirty="0" smtClean="0"/>
+              <a:t>This is the most natural choice for simple products that don’t have models — the bulk of the </a:t>
+            </a:r>
+            <a:r>
+              <a:rPr lang="en-US" sz="1100" i="1" dirty="0" err="1" smtClean="0"/>
+              <a:t>Tru</a:t>
+            </a:r>
+            <a:r>
+              <a:rPr lang="en-US" sz="1100" i="1" dirty="0" smtClean="0"/>
+              <a:t>-Medical product set </a:t>
+            </a:r>
+            <a:endParaRPr lang="en-US" sz="1100" i="1" dirty="0"/>
+          </a:p>
+        </p:txBody>
+      </p:sp>
+      <p:sp>
+        <p:nvSpPr>
+          <p:cNvPr id="55" name="TextBox 54"/>
           <p:cNvSpPr txBox="1"/>
           <p:nvPr/>
         </p:nvSpPr>
         <p:spPr>
           <a:xfrm>
-            <a:off x="702892" y="6018528"/>
-            <a:ext cx="4741960" cy="523220"/>
+            <a:off x="4024965" y="3509126"/>
+            <a:ext cx="629180" cy="261610"/>
           </a:xfrm>
           <a:prstGeom prst="rect">
             <a:avLst/>
@@ -4230,44 +4244,6 @@
           <a:noFill/>
         </p:spPr>
         <p:txBody>
-          <a:bodyPr wrap="square" rtlCol="0">
-            <a:spAutoFit/>
-          </a:bodyPr>
-          <a:lstStyle/>
-          <a:p>
-            <a:r>
-              <a:rPr lang="en-US" sz="1400" dirty="0" smtClean="0"/>
-              <a:t>This is the most natural choice for simple products that don’t have models — the bulk of the </a:t>
-            </a:r>
-            <a:r>
-              <a:rPr lang="en-US" sz="1400" dirty="0" err="1" smtClean="0"/>
-              <a:t>Tru</a:t>
-            </a:r>
-            <a:r>
-              <a:rPr lang="en-US" sz="1400" dirty="0" smtClean="0"/>
-              <a:t>-Medical product set </a:t>
-            </a:r>
-            <a:endParaRPr lang="en-US" sz="1400" dirty="0"/>
-          </a:p>
-        </p:txBody>
-      </p:sp>
-      <p:sp>
-        <p:nvSpPr>
-          <p:cNvPr id="55" name="TextBox 54"/>
-          <p:cNvSpPr txBox="1"/>
-          <p:nvPr/>
-        </p:nvSpPr>
-        <p:spPr>
-          <a:xfrm>
-            <a:off x="3786859" y="3760953"/>
-            <a:ext cx="629180" cy="261610"/>
-          </a:xfrm>
-          <a:prstGeom prst="rect">
-            <a:avLst/>
-          </a:prstGeom>
-          <a:noFill/>
-        </p:spPr>
-        <p:txBody>
           <a:bodyPr wrap="none" rtlCol="0">
             <a:spAutoFit/>
           </a:bodyPr>
@@ -4289,7 +4265,7 @@
         </p:nvSpPr>
         <p:spPr>
           <a:xfrm>
-            <a:off x="5142556" y="2308258"/>
+            <a:off x="5142556" y="2056431"/>
             <a:ext cx="1286010" cy="769441"/>
           </a:xfrm>
           <a:prstGeom prst="rect">
@@ -4370,15 +4346,103 @@
           </a:p>
         </p:txBody>
       </p:sp>
+      <p:sp>
+        <p:nvSpPr>
+          <p:cNvPr id="61" name="TextBox 60"/>
+          <p:cNvSpPr txBox="1"/>
+          <p:nvPr/>
+        </p:nvSpPr>
+        <p:spPr>
+          <a:xfrm>
+            <a:off x="4790977" y="3500246"/>
+            <a:ext cx="858340" cy="261610"/>
+          </a:xfrm>
+          <a:prstGeom prst="rect">
+            <a:avLst/>
+          </a:prstGeom>
+          <a:noFill/>
+        </p:spPr>
+        <p:txBody>
+          <a:bodyPr wrap="none" rtlCol="0">
+            <a:spAutoFit/>
+          </a:bodyPr>
+          <a:lstStyle/>
+          <a:p>
+            <a:r>
+              <a:rPr lang="en-US" sz="1100" i="1" dirty="0" smtClean="0"/>
+              <a:t>accessories</a:t>
+            </a:r>
+            <a:endParaRPr lang="en-US" sz="1100" i="1" dirty="0"/>
+          </a:p>
+        </p:txBody>
+      </p:sp>
+      <p:sp>
+        <p:nvSpPr>
+          <p:cNvPr id="39" name="Rectangle 38"/>
+          <p:cNvSpPr/>
+          <p:nvPr/>
+        </p:nvSpPr>
+        <p:spPr>
+          <a:xfrm>
+            <a:off x="2863177" y="3809472"/>
+            <a:ext cx="1360639" cy="403190"/>
+          </a:xfrm>
+          <a:prstGeom prst="rect">
+            <a:avLst/>
+          </a:prstGeom>
+          <a:noFill/>
+          <a:effectLst/>
+        </p:spPr>
+        <p:style>
+          <a:lnRef idx="1">
+            <a:schemeClr val="accent1"/>
+          </a:lnRef>
+          <a:fillRef idx="3">
+            <a:schemeClr val="accent1"/>
+          </a:fillRef>
+          <a:effectRef idx="2">
+            <a:schemeClr val="accent1"/>
+          </a:effectRef>
+          <a:fontRef idx="minor">
+            <a:schemeClr val="lt1"/>
+          </a:fontRef>
+        </p:style>
+        <p:txBody>
+          <a:bodyPr rtlCol="0" anchor="ctr"/>
+          <a:lstStyle/>
+          <a:p>
+            <a:pPr algn="ctr"/>
+            <a:r>
+              <a:rPr lang="en-US" sz="1200" dirty="0" err="1" smtClean="0">
+                <a:solidFill>
+                  <a:schemeClr val="tx1">
+                    <a:lumMod val="50000"/>
+                    <a:lumOff val="50000"/>
+                  </a:schemeClr>
+                </a:solidFill>
+              </a:rPr>
+              <a:t>BaseProduct</a:t>
+            </a:r>
+            <a:endParaRPr lang="en-US" sz="1200" dirty="0">
+              <a:solidFill>
+                <a:schemeClr val="tx1">
+                  <a:lumMod val="50000"/>
+                  <a:lumOff val="50000"/>
+                </a:schemeClr>
+              </a:solidFill>
+            </a:endParaRPr>
+          </a:p>
+        </p:txBody>
+      </p:sp>
       <p:grpSp>
         <p:nvGrpSpPr>
-          <p:cNvPr id="58" name="Group 57"/>
+          <p:cNvPr id="41" name="Group 40"/>
           <p:cNvGrpSpPr/>
           <p:nvPr/>
         </p:nvGrpSpPr>
         <p:grpSpPr>
           <a:xfrm>
-            <a:off x="4785980" y="3730713"/>
+            <a:off x="3957757" y="4188485"/>
             <a:ext cx="3176" cy="514066"/>
             <a:chOff x="5416566" y="1432116"/>
             <a:chExt cx="3176" cy="514066"/>
@@ -4386,7 +4450,7 @@
         </p:grpSpPr>
         <p:cxnSp>
           <p:nvCxnSpPr>
-            <p:cNvPr id="59" name="Straight Arrow Connector 58"/>
+            <p:cNvPr id="42" name="Straight Arrow Connector 41"/>
             <p:cNvCxnSpPr/>
             <p:nvPr/>
           </p:nvCxnSpPr>
@@ -4421,7 +4485,7 @@
         </p:cxnSp>
         <p:cxnSp>
           <p:nvCxnSpPr>
-            <p:cNvPr id="60" name="Straight Arrow Connector 59"/>
+            <p:cNvPr id="44" name="Straight Arrow Connector 43"/>
             <p:cNvCxnSpPr/>
             <p:nvPr/>
           </p:nvCxnSpPr>
@@ -4455,16 +4519,204 @@
           </p:style>
         </p:cxnSp>
       </p:grpSp>
-      <p:sp>
-        <p:nvSpPr>
-          <p:cNvPr id="61" name="TextBox 60"/>
+      <p:cxnSp>
+        <p:nvCxnSpPr>
+          <p:cNvPr id="49" name="Straight Arrow Connector 48"/>
+          <p:cNvCxnSpPr/>
+          <p:nvPr/>
+        </p:nvCxnSpPr>
+        <p:spPr>
+          <a:xfrm rot="5400000">
+            <a:off x="833575" y="3703493"/>
+            <a:ext cx="2427264" cy="1588"/>
+          </a:xfrm>
+          <a:prstGeom prst="straightConnector1">
+            <a:avLst/>
+          </a:prstGeom>
+          <a:ln>
+            <a:headEnd type="triangle" w="lg" len="lg"/>
+            <a:tailEnd type="none" w="lg" len="lg"/>
+          </a:ln>
+          <a:effectLst/>
+        </p:spPr>
+        <p:style>
+          <a:lnRef idx="2">
+            <a:schemeClr val="accent1"/>
+          </a:lnRef>
+          <a:fillRef idx="0">
+            <a:schemeClr val="accent1"/>
+          </a:fillRef>
+          <a:effectRef idx="1">
+            <a:schemeClr val="accent1"/>
+          </a:effectRef>
+          <a:fontRef idx="minor">
+            <a:schemeClr val="tx1"/>
+          </a:fontRef>
+        </p:style>
+      </p:cxnSp>
+      <p:cxnSp>
+        <p:nvCxnSpPr>
+          <p:cNvPr id="50" name="Straight Arrow Connector 49"/>
+          <p:cNvCxnSpPr/>
+          <p:nvPr/>
+        </p:nvCxnSpPr>
+        <p:spPr>
+          <a:xfrm>
+            <a:off x="2451405" y="4007746"/>
+            <a:ext cx="451952" cy="1588"/>
+          </a:xfrm>
+          <a:prstGeom prst="straightConnector1">
+            <a:avLst/>
+          </a:prstGeom>
+          <a:ln>
+            <a:tailEnd type="triangle" w="lg" len="lg"/>
+          </a:ln>
+          <a:effectLst/>
+        </p:spPr>
+        <p:style>
+          <a:lnRef idx="2">
+            <a:schemeClr val="accent1"/>
+          </a:lnRef>
+          <a:fillRef idx="0">
+            <a:schemeClr val="accent1"/>
+          </a:fillRef>
+          <a:effectRef idx="1">
+            <a:schemeClr val="accent1"/>
+          </a:effectRef>
+          <a:fontRef idx="minor">
+            <a:schemeClr val="tx1"/>
+          </a:fontRef>
+        </p:style>
+      </p:cxnSp>
+      <p:cxnSp>
+        <p:nvCxnSpPr>
+          <p:cNvPr id="56" name="Straight Arrow Connector 55"/>
+          <p:cNvCxnSpPr/>
+          <p:nvPr/>
+        </p:nvCxnSpPr>
+        <p:spPr>
+          <a:xfrm>
+            <a:off x="2549939" y="4009334"/>
+            <a:ext cx="250193" cy="1588"/>
+          </a:xfrm>
+          <a:prstGeom prst="straightConnector1">
+            <a:avLst/>
+          </a:prstGeom>
+          <a:ln>
+            <a:tailEnd type="triangle" w="lg" len="lg"/>
+          </a:ln>
+          <a:effectLst/>
+        </p:spPr>
+        <p:style>
+          <a:lnRef idx="2">
+            <a:schemeClr val="accent1"/>
+          </a:lnRef>
+          <a:fillRef idx="0">
+            <a:schemeClr val="accent1"/>
+          </a:fillRef>
+          <a:effectRef idx="1">
+            <a:schemeClr val="accent1"/>
+          </a:effectRef>
+          <a:fontRef idx="minor">
+            <a:schemeClr val="tx1"/>
+          </a:fontRef>
+        </p:style>
+      </p:cxnSp>
+      <p:grpSp>
+        <p:nvGrpSpPr>
+          <p:cNvPr id="68" name="Group 67"/>
+          <p:cNvGrpSpPr/>
+          <p:nvPr/>
+        </p:nvGrpSpPr>
+        <p:grpSpPr>
+          <a:xfrm>
+            <a:off x="4796202" y="3450439"/>
+            <a:ext cx="3176" cy="1255990"/>
+            <a:chOff x="4590437" y="3447447"/>
+            <a:chExt cx="3176" cy="1255990"/>
+          </a:xfrm>
+        </p:grpSpPr>
+        <p:cxnSp>
+          <p:nvCxnSpPr>
+            <p:cNvPr id="69" name="Straight Arrow Connector 68"/>
+            <p:cNvCxnSpPr/>
+            <p:nvPr/>
+          </p:nvCxnSpPr>
+          <p:spPr>
+            <a:xfrm rot="5400000">
+              <a:off x="3964824" y="4074648"/>
+              <a:ext cx="1255990" cy="1588"/>
+            </a:xfrm>
+            <a:prstGeom prst="straightConnector1">
+              <a:avLst/>
+            </a:prstGeom>
+            <a:ln>
+              <a:headEnd type="triangle" w="lg" len="lg"/>
+              <a:tailEnd type="triangle" w="lg" len="lg"/>
+            </a:ln>
+            <a:effectLst/>
+          </p:spPr>
+          <p:style>
+            <a:lnRef idx="2">
+              <a:schemeClr val="accent1"/>
+            </a:lnRef>
+            <a:fillRef idx="0">
+              <a:schemeClr val="accent1"/>
+            </a:fillRef>
+            <a:effectRef idx="1">
+              <a:schemeClr val="accent1"/>
+            </a:effectRef>
+            <a:fontRef idx="minor">
+              <a:schemeClr val="tx1"/>
+            </a:fontRef>
+          </p:style>
+        </p:cxnSp>
+        <p:cxnSp>
+          <p:nvCxnSpPr>
+            <p:cNvPr id="70" name="Straight Arrow Connector 69"/>
+            <p:cNvCxnSpPr/>
+            <p:nvPr/>
+          </p:nvCxnSpPr>
+          <p:spPr>
+            <a:xfrm rot="5400000">
+              <a:off x="4433994" y="4438883"/>
+              <a:ext cx="314474" cy="1588"/>
+            </a:xfrm>
+            <a:prstGeom prst="straightConnector1">
+              <a:avLst/>
+            </a:prstGeom>
+            <a:ln>
+              <a:headEnd type="none"/>
+              <a:tailEnd type="triangle" w="lg" len="lg"/>
+            </a:ln>
+            <a:effectLst/>
+          </p:spPr>
+          <p:style>
+            <a:lnRef idx="2">
+              <a:schemeClr val="accent1"/>
+            </a:lnRef>
+            <a:fillRef idx="0">
+              <a:schemeClr val="accent1"/>
+            </a:fillRef>
+            <a:effectRef idx="1">
+              <a:schemeClr val="accent1"/>
+            </a:effectRef>
+            <a:fontRef idx="minor">
+              <a:schemeClr val="tx1"/>
+            </a:fontRef>
+          </p:style>
+        </p:cxnSp>
+      </p:grpSp>
+      <p:sp>
+        <p:nvSpPr>
+          <p:cNvPr id="71" name="TextBox 70"/>
           <p:cNvSpPr txBox="1"/>
           <p:nvPr/>
         </p:nvSpPr>
         <p:spPr>
           <a:xfrm>
-            <a:off x="4755658" y="3752073"/>
-            <a:ext cx="858340" cy="261610"/>
+            <a:off x="2988741" y="4212662"/>
+            <a:ext cx="1039492" cy="261610"/>
           </a:xfrm>
           <a:prstGeom prst="rect">
             <a:avLst/>
@@ -4479,12 +4731,456 @@
           <a:p>
             <a:r>
               <a:rPr lang="en-US" sz="1100" i="1" dirty="0" smtClean="0"/>
+              <a:t>configurations</a:t>
+            </a:r>
+            <a:endParaRPr lang="en-US" sz="1100" i="1" dirty="0"/>
+          </a:p>
+        </p:txBody>
+      </p:sp>
+      <p:grpSp>
+        <p:nvGrpSpPr>
+          <p:cNvPr id="72" name="Group 71"/>
+          <p:cNvGrpSpPr/>
+          <p:nvPr/>
+        </p:nvGrpSpPr>
+        <p:grpSpPr>
+          <a:xfrm>
+            <a:off x="4110157" y="4202149"/>
+            <a:ext cx="3176" cy="514066"/>
+            <a:chOff x="5416566" y="1432116"/>
+            <a:chExt cx="3176" cy="514066"/>
+          </a:xfrm>
+        </p:grpSpPr>
+        <p:cxnSp>
+          <p:nvCxnSpPr>
+            <p:cNvPr id="73" name="Straight Arrow Connector 72"/>
+            <p:cNvCxnSpPr/>
+            <p:nvPr/>
+          </p:nvCxnSpPr>
+          <p:spPr>
+            <a:xfrm rot="5400000">
+              <a:off x="5160327" y="1688355"/>
+              <a:ext cx="514066" cy="1588"/>
+            </a:xfrm>
+            <a:prstGeom prst="straightConnector1">
+              <a:avLst/>
+            </a:prstGeom>
+            <a:ln>
+              <a:solidFill>
+                <a:schemeClr val="bg1">
+                  <a:lumMod val="75000"/>
+                </a:schemeClr>
+              </a:solidFill>
+              <a:headEnd type="triangle" w="lg" len="lg"/>
+              <a:tailEnd type="triangle" w="lg" len="lg"/>
+            </a:ln>
+            <a:effectLst/>
+          </p:spPr>
+          <p:style>
+            <a:lnRef idx="2">
+              <a:schemeClr val="accent1"/>
+            </a:lnRef>
+            <a:fillRef idx="0">
+              <a:schemeClr val="accent1"/>
+            </a:fillRef>
+            <a:effectRef idx="1">
+              <a:schemeClr val="accent1"/>
+            </a:effectRef>
+            <a:fontRef idx="minor">
+              <a:schemeClr val="tx1"/>
+            </a:fontRef>
+          </p:style>
+        </p:cxnSp>
+        <p:cxnSp>
+          <p:nvCxnSpPr>
+            <p:cNvPr id="74" name="Straight Arrow Connector 73"/>
+            <p:cNvCxnSpPr/>
+            <p:nvPr/>
+          </p:nvCxnSpPr>
+          <p:spPr>
+            <a:xfrm rot="5400000">
+              <a:off x="5261711" y="1682514"/>
+              <a:ext cx="314474" cy="1588"/>
+            </a:xfrm>
+            <a:prstGeom prst="straightConnector1">
+              <a:avLst/>
+            </a:prstGeom>
+            <a:ln>
+              <a:solidFill>
+                <a:schemeClr val="bg1">
+                  <a:lumMod val="75000"/>
+                </a:schemeClr>
+              </a:solidFill>
+              <a:headEnd type="none"/>
+              <a:tailEnd type="triangle" w="lg" len="lg"/>
+            </a:ln>
+            <a:effectLst/>
+          </p:spPr>
+          <p:style>
+            <a:lnRef idx="2">
+              <a:schemeClr val="accent1"/>
+            </a:lnRef>
+            <a:fillRef idx="0">
+              <a:schemeClr val="accent1"/>
+            </a:fillRef>
+            <a:effectRef idx="1">
+              <a:schemeClr val="accent1"/>
+            </a:effectRef>
+            <a:fontRef idx="minor">
+              <a:schemeClr val="tx1"/>
+            </a:fontRef>
+          </p:style>
+        </p:cxnSp>
+      </p:grpSp>
+      <p:sp>
+        <p:nvSpPr>
+          <p:cNvPr id="75" name="TextBox 74"/>
+          <p:cNvSpPr txBox="1"/>
+          <p:nvPr/>
+        </p:nvSpPr>
+        <p:spPr>
+          <a:xfrm>
+            <a:off x="4085037" y="4239752"/>
+            <a:ext cx="858340" cy="261610"/>
+          </a:xfrm>
+          <a:prstGeom prst="rect">
+            <a:avLst/>
+          </a:prstGeom>
+          <a:noFill/>
+          <a:ln>
+            <a:solidFill>
+              <a:schemeClr val="bg1">
+                <a:lumMod val="75000"/>
+              </a:schemeClr>
+            </a:solidFill>
+          </a:ln>
+        </p:spPr>
+        <p:txBody>
+          <a:bodyPr wrap="none" rtlCol="0">
+            <a:spAutoFit/>
+          </a:bodyPr>
+          <a:lstStyle/>
+          <a:p>
+            <a:r>
+              <a:rPr lang="en-US" sz="1100" i="1" dirty="0" smtClean="0">
+                <a:solidFill>
+                  <a:schemeClr val="bg1">
+                    <a:lumMod val="75000"/>
+                  </a:schemeClr>
+                </a:solidFill>
+              </a:rPr>
               <a:t>accessories</a:t>
             </a:r>
-            <a:endParaRPr lang="en-US" sz="1100" i="1" dirty="0"/>
-          </a:p>
-        </p:txBody>
-      </p:sp>
+            <a:endParaRPr lang="en-US" sz="1100" i="1" dirty="0">
+              <a:solidFill>
+                <a:schemeClr val="bg1">
+                  <a:lumMod val="75000"/>
+                </a:schemeClr>
+              </a:solidFill>
+            </a:endParaRPr>
+          </a:p>
+        </p:txBody>
+      </p:sp>
+      <p:sp>
+        <p:nvSpPr>
+          <p:cNvPr id="76" name="TextBox 75"/>
+          <p:cNvSpPr txBox="1"/>
+          <p:nvPr/>
+        </p:nvSpPr>
+        <p:spPr>
+          <a:xfrm>
+            <a:off x="350653" y="2236343"/>
+            <a:ext cx="1525227" cy="1615827"/>
+          </a:xfrm>
+          <a:prstGeom prst="rect">
+            <a:avLst/>
+          </a:prstGeom>
+          <a:noFill/>
+          <a:ln>
+            <a:noFill/>
+          </a:ln>
+        </p:spPr>
+        <p:txBody>
+          <a:bodyPr wrap="none" rtlCol="0">
+            <a:spAutoFit/>
+          </a:bodyPr>
+          <a:lstStyle/>
+          <a:p>
+            <a:r>
+              <a:rPr lang="en-US" sz="1100" i="1" dirty="0" smtClean="0">
+                <a:solidFill>
+                  <a:schemeClr val="bg1">
+                    <a:lumMod val="75000"/>
+                  </a:schemeClr>
+                </a:solidFill>
+              </a:rPr>
+              <a:t>Active Record does</a:t>
+            </a:r>
+          </a:p>
+          <a:p>
+            <a:r>
+              <a:rPr lang="en-US" sz="1100" i="1" dirty="0" smtClean="0">
+                <a:solidFill>
+                  <a:schemeClr val="bg1">
+                    <a:lumMod val="75000"/>
+                  </a:schemeClr>
+                </a:solidFill>
+              </a:rPr>
+              <a:t>subtypes by pushing </a:t>
+            </a:r>
+          </a:p>
+          <a:p>
+            <a:r>
+              <a:rPr lang="en-US" sz="1100" i="1" dirty="0" smtClean="0">
+                <a:solidFill>
+                  <a:schemeClr val="bg1">
+                    <a:lumMod val="75000"/>
+                  </a:schemeClr>
+                </a:solidFill>
+              </a:rPr>
+              <a:t>a type field into the </a:t>
+            </a:r>
+          </a:p>
+          <a:p>
+            <a:r>
+              <a:rPr lang="en-US" sz="1100" i="1" dirty="0" smtClean="0">
+                <a:solidFill>
+                  <a:schemeClr val="bg1">
+                    <a:lumMod val="75000"/>
+                  </a:schemeClr>
+                </a:solidFill>
+              </a:rPr>
+              <a:t>underlying SQL record</a:t>
+            </a:r>
+          </a:p>
+          <a:p>
+            <a:r>
+              <a:rPr lang="en-US" sz="1100" i="1" dirty="0" smtClean="0">
+                <a:solidFill>
+                  <a:schemeClr val="bg1">
+                    <a:lumMod val="75000"/>
+                  </a:schemeClr>
+                </a:solidFill>
+              </a:rPr>
+              <a:t>type, so we might as</a:t>
+            </a:r>
+          </a:p>
+          <a:p>
+            <a:r>
+              <a:rPr lang="en-US" sz="1100" i="1" dirty="0" smtClean="0">
+                <a:solidFill>
+                  <a:schemeClr val="bg1">
+                    <a:lumMod val="75000"/>
+                  </a:schemeClr>
+                </a:solidFill>
+              </a:rPr>
+              <a:t>well model this with</a:t>
+            </a:r>
+          </a:p>
+          <a:p>
+            <a:r>
+              <a:rPr lang="en-US" sz="1100" i="1" dirty="0" smtClean="0">
+                <a:solidFill>
+                  <a:schemeClr val="bg1">
+                    <a:lumMod val="75000"/>
+                  </a:schemeClr>
+                </a:solidFill>
+              </a:rPr>
+              <a:t>an explicit leaf-level? </a:t>
+            </a:r>
+          </a:p>
+          <a:p>
+            <a:r>
+              <a:rPr lang="en-US" sz="1100" i="1" dirty="0" smtClean="0">
+                <a:solidFill>
+                  <a:schemeClr val="bg1">
+                    <a:lumMod val="75000"/>
+                  </a:schemeClr>
+                </a:solidFill>
+              </a:rPr>
+              <a:t>column in the category</a:t>
+            </a:r>
+          </a:p>
+          <a:p>
+            <a:r>
+              <a:rPr lang="en-US" sz="1100" i="1" dirty="0" smtClean="0">
+                <a:solidFill>
+                  <a:schemeClr val="bg1">
+                    <a:lumMod val="75000"/>
+                  </a:schemeClr>
+                </a:solidFill>
+              </a:rPr>
+              <a:t>record ourselves. </a:t>
+            </a:r>
+            <a:endParaRPr lang="en-US" sz="1100" i="1" dirty="0" smtClean="0">
+              <a:solidFill>
+                <a:schemeClr val="bg1">
+                  <a:lumMod val="75000"/>
+                </a:schemeClr>
+              </a:solidFill>
+            </a:endParaRPr>
+          </a:p>
+        </p:txBody>
+      </p:sp>
+      <p:sp>
+        <p:nvSpPr>
+          <p:cNvPr id="77" name="TextBox 76"/>
+          <p:cNvSpPr txBox="1"/>
+          <p:nvPr/>
+        </p:nvSpPr>
+        <p:spPr>
+          <a:xfrm>
+            <a:off x="553231" y="5710751"/>
+            <a:ext cx="6950004" cy="938719"/>
+          </a:xfrm>
+          <a:prstGeom prst="rect">
+            <a:avLst/>
+          </a:prstGeom>
+          <a:noFill/>
+        </p:spPr>
+        <p:txBody>
+          <a:bodyPr wrap="square" rtlCol="0">
+            <a:spAutoFit/>
+          </a:bodyPr>
+          <a:lstStyle/>
+          <a:p>
+            <a:r>
+              <a:rPr lang="en-US" sz="1100" dirty="0" err="1" smtClean="0"/>
+              <a:t>BaseProducts</a:t>
+            </a:r>
+            <a:r>
+              <a:rPr lang="en-US" sz="1100" dirty="0" smtClean="0"/>
+              <a:t> have been introduced to handle products that come in sizes and colors, etc.  If there are only two </a:t>
+            </a:r>
+            <a:r>
+              <a:rPr lang="en-US" sz="1100" dirty="0" smtClean="0"/>
+              <a:t>dimensions to this matrix of size and color, we may want to expand this to an explicit 2-level tree — or put a column in base product for each of the dimensions, and have the view code for a product page dealing with a base product handle it.  Or, as a 3</a:t>
+            </a:r>
+            <a:r>
+              <a:rPr lang="en-US" sz="1100" baseline="30000" dirty="0" smtClean="0"/>
+              <a:t>rd</a:t>
+            </a:r>
+            <a:r>
+              <a:rPr lang="en-US" sz="1100" dirty="0" smtClean="0"/>
+              <a:t> option, have the action for </a:t>
+            </a:r>
+            <a:r>
+              <a:rPr lang="en-US" sz="1100" dirty="0" err="1" smtClean="0"/>
+              <a:t>BaseProduct#show</a:t>
+            </a:r>
+            <a:r>
+              <a:rPr lang="en-US" sz="1100" dirty="0" smtClean="0"/>
+              <a:t>, sort it out into a tree that it sends to the view.  So the view doesn’t see the actual database records, but instead the tree structure created by the action. </a:t>
+            </a:r>
+            <a:endParaRPr lang="en-US" sz="1100" dirty="0"/>
+          </a:p>
+        </p:txBody>
+      </p:sp>
+      <p:sp>
+        <p:nvSpPr>
+          <p:cNvPr id="78" name="TextBox 77"/>
+          <p:cNvSpPr txBox="1"/>
+          <p:nvPr/>
+        </p:nvSpPr>
+        <p:spPr>
+          <a:xfrm>
+            <a:off x="504943" y="4348134"/>
+            <a:ext cx="1248249" cy="607268"/>
+          </a:xfrm>
+          <a:prstGeom prst="rect">
+            <a:avLst/>
+          </a:prstGeom>
+          <a:noFill/>
+          <a:ln>
+            <a:noFill/>
+          </a:ln>
+        </p:spPr>
+        <p:txBody>
+          <a:bodyPr wrap="square" rtlCol="0">
+            <a:spAutoFit/>
+          </a:bodyPr>
+          <a:lstStyle/>
+          <a:p>
+            <a:r>
+              <a:rPr lang="en-US" sz="1100" i="1" dirty="0" smtClean="0">
+                <a:solidFill>
+                  <a:schemeClr val="bg1">
+                    <a:lumMod val="75000"/>
+                  </a:schemeClr>
+                </a:solidFill>
+              </a:rPr>
+              <a:t>called ‘</a:t>
+            </a:r>
+            <a:r>
+              <a:rPr lang="en-US" sz="1100" i="1" dirty="0" err="1" smtClean="0">
+                <a:solidFill>
+                  <a:schemeClr val="bg1">
+                    <a:lumMod val="75000"/>
+                  </a:schemeClr>
+                </a:solidFill>
+              </a:rPr>
+              <a:t>ProductSet</a:t>
+            </a:r>
+            <a:r>
+              <a:rPr lang="en-US" sz="1100" i="1" dirty="0" smtClean="0">
+                <a:solidFill>
+                  <a:schemeClr val="bg1">
+                    <a:lumMod val="75000"/>
+                  </a:schemeClr>
+                </a:solidFill>
+              </a:rPr>
+              <a:t>’ in the current code base. Rename? </a:t>
+            </a:r>
+            <a:endParaRPr lang="en-US" sz="1100" i="1" dirty="0" smtClean="0">
+              <a:solidFill>
+                <a:schemeClr val="bg1">
+                  <a:lumMod val="75000"/>
+                </a:schemeClr>
+              </a:solidFill>
+            </a:endParaRPr>
+          </a:p>
+        </p:txBody>
+      </p:sp>
+      <p:cxnSp>
+        <p:nvCxnSpPr>
+          <p:cNvPr id="80" name="Straight Arrow Connector 79"/>
+          <p:cNvCxnSpPr/>
+          <p:nvPr/>
+        </p:nvCxnSpPr>
+        <p:spPr>
+          <a:xfrm flipV="1">
+            <a:off x="1709400" y="4021871"/>
+            <a:ext cx="1375055" cy="463350"/>
+          </a:xfrm>
+          <a:prstGeom prst="straightConnector1">
+            <a:avLst/>
+          </a:prstGeom>
+          <a:ln w="25400" cap="flat" cmpd="sng" algn="ctr">
+            <a:solidFill>
+              <a:schemeClr val="accent1"/>
+            </a:solidFill>
+            <a:prstDash val="sysDash"/>
+            <a:round/>
+            <a:headEnd type="none" w="med" len="med"/>
+            <a:tailEnd type="none" w="med" len="med"/>
+          </a:ln>
+          <a:effectLst/>
+        </p:spPr>
+        <p:style>
+          <a:lnRef idx="2">
+            <a:schemeClr val="accent1"/>
+          </a:lnRef>
+          <a:fillRef idx="0">
+            <a:schemeClr val="accent1"/>
+          </a:fillRef>
+          <a:effectRef idx="1">
+            <a:schemeClr val="accent1"/>
+          </a:effectRef>
+          <a:fontRef idx="minor">
+            <a:schemeClr val="tx1"/>
+          </a:fontRef>
+        </p:style>
+      </p:cxnSp>
     </p:spTree>
   </p:cSld>
   <p:clrMapOvr>

--- a/doc/Rails_Database_Schema_Models.pptx
+++ b/doc/Rails_Database_Schema_Models.pptx
@@ -7,6 +7,7 @@
   <p:sldIdLst>
     <p:sldId id="256" r:id="rId2"/>
     <p:sldId id="257" r:id="rId3"/>
+    <p:sldId id="258" r:id="rId4"/>
   </p:sldIdLst>
   <p:sldSz cx="9144000" cy="6858000" type="screen4x3"/>
   <p:notesSz cx="6858000" cy="9144000"/>
@@ -6413,6 +6414,2152 @@
           </a:p>
         </p:txBody>
       </p:sp>
+    </p:spTree>
+  </p:cSld>
+  <p:clrMapOvr>
+    <a:masterClrMapping/>
+  </p:clrMapOvr>
+</p:sld>
+</file>
+
+<file path=ppt/slides/slide3.xml><?xml version="1.0" encoding="utf-8"?>
+<p:sld xmlns:a="http://schemas.openxmlformats.org/drawingml/2006/main" xmlns:r="http://schemas.openxmlformats.org/officeDocument/2006/relationships" xmlns:mc="http://schemas.openxmlformats.org/markup-compatibility/2006" xmlns:mv="urn:schemas-microsoft-com:mac:vml" xmlns:p="http://schemas.openxmlformats.org/presentationml/2006/main" mc:Ignorable="mv" mc:PreserveAttributes="mv:*">
+  <p:cSld>
+    <p:spTree>
+      <p:nvGrpSpPr>
+        <p:cNvPr id="1" name=""/>
+        <p:cNvGrpSpPr/>
+        <p:nvPr/>
+      </p:nvGrpSpPr>
+      <p:grpSpPr>
+        <a:xfrm>
+          <a:off x="0" y="0"/>
+          <a:ext cx="0" cy="0"/>
+          <a:chOff x="0" y="0"/>
+          <a:chExt cx="0" cy="0"/>
+        </a:xfrm>
+      </p:grpSpPr>
+      <p:sp>
+        <p:nvSpPr>
+          <p:cNvPr id="4" name="Rectangle 3"/>
+          <p:cNvSpPr/>
+          <p:nvPr/>
+        </p:nvSpPr>
+        <p:spPr>
+          <a:xfrm>
+            <a:off x="3779535" y="1179505"/>
+            <a:ext cx="1360639" cy="403190"/>
+          </a:xfrm>
+          <a:prstGeom prst="rect">
+            <a:avLst/>
+          </a:prstGeom>
+          <a:noFill/>
+          <a:effectLst/>
+        </p:spPr>
+        <p:style>
+          <a:lnRef idx="1">
+            <a:schemeClr val="accent1"/>
+          </a:lnRef>
+          <a:fillRef idx="3">
+            <a:schemeClr val="accent1"/>
+          </a:fillRef>
+          <a:effectRef idx="2">
+            <a:schemeClr val="accent1"/>
+          </a:effectRef>
+          <a:fontRef idx="minor">
+            <a:schemeClr val="lt1"/>
+          </a:fontRef>
+        </p:style>
+        <p:txBody>
+          <a:bodyPr rtlCol="0" anchor="ctr"/>
+          <a:lstStyle/>
+          <a:p>
+            <a:pPr algn="ctr"/>
+            <a:r>
+              <a:rPr lang="en-US" sz="1200" dirty="0" smtClean="0">
+                <a:solidFill>
+                  <a:schemeClr val="tx1">
+                    <a:lumMod val="50000"/>
+                    <a:lumOff val="50000"/>
+                  </a:schemeClr>
+                </a:solidFill>
+              </a:rPr>
+              <a:t>Manufacturer</a:t>
+            </a:r>
+            <a:endParaRPr lang="en-US" sz="1200" dirty="0">
+              <a:solidFill>
+                <a:schemeClr val="tx1">
+                  <a:lumMod val="50000"/>
+                  <a:lumOff val="50000"/>
+                </a:schemeClr>
+              </a:solidFill>
+            </a:endParaRPr>
+          </a:p>
+        </p:txBody>
+      </p:sp>
+      <p:sp>
+        <p:nvSpPr>
+          <p:cNvPr id="6" name="Rectangle 5"/>
+          <p:cNvSpPr/>
+          <p:nvPr/>
+        </p:nvSpPr>
+        <p:spPr>
+          <a:xfrm>
+            <a:off x="3779535" y="2096761"/>
+            <a:ext cx="1360639" cy="403190"/>
+          </a:xfrm>
+          <a:prstGeom prst="rect">
+            <a:avLst/>
+          </a:prstGeom>
+          <a:noFill/>
+          <a:effectLst/>
+        </p:spPr>
+        <p:style>
+          <a:lnRef idx="1">
+            <a:schemeClr val="accent1"/>
+          </a:lnRef>
+          <a:fillRef idx="3">
+            <a:schemeClr val="accent1"/>
+          </a:fillRef>
+          <a:effectRef idx="2">
+            <a:schemeClr val="accent1"/>
+          </a:effectRef>
+          <a:fontRef idx="minor">
+            <a:schemeClr val="lt1"/>
+          </a:fontRef>
+        </p:style>
+        <p:txBody>
+          <a:bodyPr rtlCol="0" anchor="ctr"/>
+          <a:lstStyle/>
+          <a:p>
+            <a:pPr algn="ctr"/>
+            <a:r>
+              <a:rPr lang="en-US" sz="1200" dirty="0" err="1" smtClean="0">
+                <a:solidFill>
+                  <a:schemeClr val="tx1">
+                    <a:lumMod val="50000"/>
+                    <a:lumOff val="50000"/>
+                  </a:schemeClr>
+                </a:solidFill>
+              </a:rPr>
+              <a:t>ProductLine</a:t>
+            </a:r>
+            <a:endParaRPr lang="en-US" sz="1200" dirty="0">
+              <a:solidFill>
+                <a:schemeClr val="tx1">
+                  <a:lumMod val="50000"/>
+                  <a:lumOff val="50000"/>
+                </a:schemeClr>
+              </a:solidFill>
+            </a:endParaRPr>
+          </a:p>
+        </p:txBody>
+      </p:sp>
+      <p:sp>
+        <p:nvSpPr>
+          <p:cNvPr id="7" name="Rectangle 6"/>
+          <p:cNvSpPr/>
+          <p:nvPr/>
+        </p:nvSpPr>
+        <p:spPr>
+          <a:xfrm>
+            <a:off x="3781917" y="3044257"/>
+            <a:ext cx="1360639" cy="403190"/>
+          </a:xfrm>
+          <a:prstGeom prst="rect">
+            <a:avLst/>
+          </a:prstGeom>
+          <a:noFill/>
+          <a:effectLst/>
+        </p:spPr>
+        <p:style>
+          <a:lnRef idx="1">
+            <a:schemeClr val="accent1"/>
+          </a:lnRef>
+          <a:fillRef idx="3">
+            <a:schemeClr val="accent1"/>
+          </a:fillRef>
+          <a:effectRef idx="2">
+            <a:schemeClr val="accent1"/>
+          </a:effectRef>
+          <a:fontRef idx="minor">
+            <a:schemeClr val="lt1"/>
+          </a:fontRef>
+        </p:style>
+        <p:txBody>
+          <a:bodyPr rtlCol="0" anchor="ctr"/>
+          <a:lstStyle/>
+          <a:p>
+            <a:pPr algn="ctr"/>
+            <a:r>
+              <a:rPr lang="en-US" sz="1200" dirty="0" err="1" smtClean="0">
+                <a:solidFill>
+                  <a:schemeClr val="tx1">
+                    <a:lumMod val="50000"/>
+                    <a:lumOff val="50000"/>
+                  </a:schemeClr>
+                </a:solidFill>
+              </a:rPr>
+              <a:t>BaseProduct</a:t>
+            </a:r>
+            <a:endParaRPr lang="en-US" sz="1200" dirty="0">
+              <a:solidFill>
+                <a:schemeClr val="tx1">
+                  <a:lumMod val="50000"/>
+                  <a:lumOff val="50000"/>
+                </a:schemeClr>
+              </a:solidFill>
+            </a:endParaRPr>
+          </a:p>
+        </p:txBody>
+      </p:sp>
+      <p:sp>
+        <p:nvSpPr>
+          <p:cNvPr id="9" name="Rectangle 8"/>
+          <p:cNvSpPr/>
+          <p:nvPr/>
+        </p:nvSpPr>
+        <p:spPr>
+          <a:xfrm>
+            <a:off x="1875880" y="746060"/>
+            <a:ext cx="1360639" cy="403190"/>
+          </a:xfrm>
+          <a:prstGeom prst="rect">
+            <a:avLst/>
+          </a:prstGeom>
+          <a:noFill/>
+          <a:effectLst/>
+        </p:spPr>
+        <p:style>
+          <a:lnRef idx="1">
+            <a:schemeClr val="accent1"/>
+          </a:lnRef>
+          <a:fillRef idx="3">
+            <a:schemeClr val="accent1"/>
+          </a:fillRef>
+          <a:effectRef idx="2">
+            <a:schemeClr val="accent1"/>
+          </a:effectRef>
+          <a:fontRef idx="minor">
+            <a:schemeClr val="lt1"/>
+          </a:fontRef>
+        </p:style>
+        <p:txBody>
+          <a:bodyPr rtlCol="0" anchor="ctr"/>
+          <a:lstStyle/>
+          <a:p>
+            <a:pPr algn="ctr"/>
+            <a:r>
+              <a:rPr lang="en-US" sz="1200" dirty="0" smtClean="0">
+                <a:solidFill>
+                  <a:schemeClr val="tx1">
+                    <a:lumMod val="50000"/>
+                    <a:lumOff val="50000"/>
+                  </a:schemeClr>
+                </a:solidFill>
+              </a:rPr>
+              <a:t>Category</a:t>
+            </a:r>
+            <a:endParaRPr lang="en-US" sz="1200" dirty="0">
+              <a:solidFill>
+                <a:schemeClr val="tx1">
+                  <a:lumMod val="50000"/>
+                  <a:lumOff val="50000"/>
+                </a:schemeClr>
+              </a:solidFill>
+            </a:endParaRPr>
+          </a:p>
+        </p:txBody>
+      </p:sp>
+      <p:sp>
+        <p:nvSpPr>
+          <p:cNvPr id="10" name="Rectangle 9"/>
+          <p:cNvSpPr/>
+          <p:nvPr/>
+        </p:nvSpPr>
+        <p:spPr>
+          <a:xfrm>
+            <a:off x="975044" y="1522201"/>
+            <a:ext cx="1360639" cy="403190"/>
+          </a:xfrm>
+          <a:prstGeom prst="rect">
+            <a:avLst/>
+          </a:prstGeom>
+          <a:noFill/>
+          <a:effectLst/>
+        </p:spPr>
+        <p:style>
+          <a:lnRef idx="1">
+            <a:schemeClr val="accent1"/>
+          </a:lnRef>
+          <a:fillRef idx="3">
+            <a:schemeClr val="accent1"/>
+          </a:fillRef>
+          <a:effectRef idx="2">
+            <a:schemeClr val="accent1"/>
+          </a:effectRef>
+          <a:fontRef idx="minor">
+            <a:schemeClr val="lt1"/>
+          </a:fontRef>
+        </p:style>
+        <p:txBody>
+          <a:bodyPr rtlCol="0" anchor="ctr"/>
+          <a:lstStyle/>
+          <a:p>
+            <a:pPr algn="ctr"/>
+            <a:r>
+              <a:rPr lang="en-US" sz="1200" dirty="0" err="1" smtClean="0">
+                <a:solidFill>
+                  <a:schemeClr val="tx1">
+                    <a:lumMod val="50000"/>
+                    <a:lumOff val="50000"/>
+                  </a:schemeClr>
+                </a:solidFill>
+              </a:rPr>
+              <a:t>TopLevelCategory</a:t>
+            </a:r>
+            <a:endParaRPr lang="en-US" sz="1200" dirty="0">
+              <a:solidFill>
+                <a:schemeClr val="tx1">
+                  <a:lumMod val="50000"/>
+                  <a:lumOff val="50000"/>
+                </a:schemeClr>
+              </a:solidFill>
+            </a:endParaRPr>
+          </a:p>
+        </p:txBody>
+      </p:sp>
+      <p:sp>
+        <p:nvSpPr>
+          <p:cNvPr id="11" name="Rectangle 10"/>
+          <p:cNvSpPr/>
+          <p:nvPr/>
+        </p:nvSpPr>
+        <p:spPr>
+          <a:xfrm>
+            <a:off x="1713233" y="2086671"/>
+            <a:ext cx="1360639" cy="403190"/>
+          </a:xfrm>
+          <a:prstGeom prst="rect">
+            <a:avLst/>
+          </a:prstGeom>
+          <a:noFill/>
+          <a:effectLst/>
+        </p:spPr>
+        <p:style>
+          <a:lnRef idx="1">
+            <a:schemeClr val="accent1"/>
+          </a:lnRef>
+          <a:fillRef idx="3">
+            <a:schemeClr val="accent1"/>
+          </a:fillRef>
+          <a:effectRef idx="2">
+            <a:schemeClr val="accent1"/>
+          </a:effectRef>
+          <a:fontRef idx="minor">
+            <a:schemeClr val="lt1"/>
+          </a:fontRef>
+        </p:style>
+        <p:txBody>
+          <a:bodyPr rtlCol="0" anchor="ctr"/>
+          <a:lstStyle/>
+          <a:p>
+            <a:pPr algn="ctr"/>
+            <a:r>
+              <a:rPr lang="en-US" sz="1200" dirty="0" err="1" smtClean="0">
+                <a:solidFill>
+                  <a:schemeClr val="tx1">
+                    <a:lumMod val="50000"/>
+                    <a:lumOff val="50000"/>
+                  </a:schemeClr>
+                </a:solidFill>
+              </a:rPr>
+              <a:t>LeafLevelCategory</a:t>
+            </a:r>
+            <a:endParaRPr lang="en-US" sz="1200" dirty="0">
+              <a:solidFill>
+                <a:schemeClr val="tx1">
+                  <a:lumMod val="50000"/>
+                  <a:lumOff val="50000"/>
+                </a:schemeClr>
+              </a:solidFill>
+            </a:endParaRPr>
+          </a:p>
+        </p:txBody>
+      </p:sp>
+      <p:sp>
+        <p:nvSpPr>
+          <p:cNvPr id="12" name="Up Arrow 11"/>
+          <p:cNvSpPr/>
+          <p:nvPr/>
+        </p:nvSpPr>
+        <p:spPr>
+          <a:xfrm>
+            <a:off x="1733558" y="1179490"/>
+            <a:ext cx="618464" cy="312471"/>
+          </a:xfrm>
+          <a:prstGeom prst="upArrow">
+            <a:avLst/>
+          </a:prstGeom>
+          <a:noFill/>
+        </p:spPr>
+        <p:style>
+          <a:lnRef idx="1">
+            <a:schemeClr val="accent1"/>
+          </a:lnRef>
+          <a:fillRef idx="3">
+            <a:schemeClr val="accent1"/>
+          </a:fillRef>
+          <a:effectRef idx="2">
+            <a:schemeClr val="accent1"/>
+          </a:effectRef>
+          <a:fontRef idx="minor">
+            <a:schemeClr val="lt1"/>
+          </a:fontRef>
+        </p:style>
+        <p:txBody>
+          <a:bodyPr rtlCol="0" anchor="ctr"/>
+          <a:lstStyle/>
+          <a:p>
+            <a:pPr algn="ctr"/>
+            <a:endParaRPr lang="en-US"/>
+          </a:p>
+        </p:txBody>
+      </p:sp>
+      <p:sp>
+        <p:nvSpPr>
+          <p:cNvPr id="13" name="Up Arrow 12"/>
+          <p:cNvSpPr/>
+          <p:nvPr/>
+        </p:nvSpPr>
+        <p:spPr>
+          <a:xfrm>
+            <a:off x="2393553" y="1179490"/>
+            <a:ext cx="618464" cy="342711"/>
+          </a:xfrm>
+          <a:prstGeom prst="upArrow">
+            <a:avLst/>
+          </a:prstGeom>
+          <a:noFill/>
+        </p:spPr>
+        <p:style>
+          <a:lnRef idx="1">
+            <a:schemeClr val="accent1"/>
+          </a:lnRef>
+          <a:fillRef idx="3">
+            <a:schemeClr val="accent1"/>
+          </a:fillRef>
+          <a:effectRef idx="2">
+            <a:schemeClr val="accent1"/>
+          </a:effectRef>
+          <a:fontRef idx="minor">
+            <a:schemeClr val="lt1"/>
+          </a:fontRef>
+        </p:style>
+        <p:txBody>
+          <a:bodyPr rtlCol="0" anchor="ctr"/>
+          <a:lstStyle/>
+          <a:p>
+            <a:pPr algn="ctr"/>
+            <a:endParaRPr lang="en-US"/>
+          </a:p>
+        </p:txBody>
+      </p:sp>
+      <p:sp>
+        <p:nvSpPr>
+          <p:cNvPr id="15" name="Rectangle 14"/>
+          <p:cNvSpPr/>
+          <p:nvPr/>
+        </p:nvSpPr>
+        <p:spPr>
+          <a:xfrm>
+            <a:off x="2549939" y="1522201"/>
+            <a:ext cx="312443" cy="534230"/>
+          </a:xfrm>
+          <a:prstGeom prst="rect">
+            <a:avLst/>
+          </a:prstGeom>
+          <a:noFill/>
+        </p:spPr>
+        <p:style>
+          <a:lnRef idx="1">
+            <a:schemeClr val="accent1"/>
+          </a:lnRef>
+          <a:fillRef idx="3">
+            <a:schemeClr val="accent1"/>
+          </a:fillRef>
+          <a:effectRef idx="2">
+            <a:schemeClr val="accent1"/>
+          </a:effectRef>
+          <a:fontRef idx="minor">
+            <a:schemeClr val="lt1"/>
+          </a:fontRef>
+        </p:style>
+        <p:txBody>
+          <a:bodyPr rtlCol="0" anchor="ctr"/>
+          <a:lstStyle/>
+          <a:p>
+            <a:pPr algn="ctr"/>
+            <a:endParaRPr lang="en-US"/>
+          </a:p>
+        </p:txBody>
+      </p:sp>
+      <p:grpSp>
+        <p:nvGrpSpPr>
+          <p:cNvPr id="2" name="Group 24"/>
+          <p:cNvGrpSpPr/>
+          <p:nvPr/>
+        </p:nvGrpSpPr>
+        <p:grpSpPr>
+          <a:xfrm>
+            <a:off x="4459061" y="1572540"/>
+            <a:ext cx="3176" cy="514066"/>
+            <a:chOff x="5416566" y="1421167"/>
+            <a:chExt cx="3176" cy="514066"/>
+          </a:xfrm>
+        </p:grpSpPr>
+        <p:cxnSp>
+          <p:nvCxnSpPr>
+            <p:cNvPr id="17" name="Straight Arrow Connector 16"/>
+            <p:cNvCxnSpPr>
+              <a:stCxn id="4" idx="2"/>
+              <a:endCxn id="6" idx="0"/>
+            </p:cNvCxnSpPr>
+            <p:nvPr/>
+          </p:nvCxnSpPr>
+          <p:spPr>
+            <a:xfrm rot="5400000">
+              <a:off x="5160327" y="1677406"/>
+              <a:ext cx="514066" cy="1588"/>
+            </a:xfrm>
+            <a:prstGeom prst="straightConnector1">
+              <a:avLst/>
+            </a:prstGeom>
+            <a:ln>
+              <a:headEnd type="triangle" w="lg" len="lg"/>
+              <a:tailEnd type="triangle" w="lg" len="lg"/>
+            </a:ln>
+            <a:effectLst/>
+          </p:spPr>
+          <p:style>
+            <a:lnRef idx="2">
+              <a:schemeClr val="accent1"/>
+            </a:lnRef>
+            <a:fillRef idx="0">
+              <a:schemeClr val="accent1"/>
+            </a:fillRef>
+            <a:effectRef idx="1">
+              <a:schemeClr val="accent1"/>
+            </a:effectRef>
+            <a:fontRef idx="minor">
+              <a:schemeClr val="tx1"/>
+            </a:fontRef>
+          </p:style>
+        </p:cxnSp>
+        <p:cxnSp>
+          <p:nvCxnSpPr>
+            <p:cNvPr id="18" name="Straight Arrow Connector 17"/>
+            <p:cNvCxnSpPr/>
+            <p:nvPr/>
+          </p:nvCxnSpPr>
+          <p:spPr>
+            <a:xfrm rot="5400000">
+              <a:off x="5261711" y="1682514"/>
+              <a:ext cx="314474" cy="1588"/>
+            </a:xfrm>
+            <a:prstGeom prst="straightConnector1">
+              <a:avLst/>
+            </a:prstGeom>
+            <a:ln>
+              <a:headEnd type="none"/>
+              <a:tailEnd type="triangle" w="lg" len="lg"/>
+            </a:ln>
+            <a:effectLst/>
+          </p:spPr>
+          <p:style>
+            <a:lnRef idx="2">
+              <a:schemeClr val="accent1"/>
+            </a:lnRef>
+            <a:fillRef idx="0">
+              <a:schemeClr val="accent1"/>
+            </a:fillRef>
+            <a:effectRef idx="1">
+              <a:schemeClr val="accent1"/>
+            </a:effectRef>
+            <a:fontRef idx="minor">
+              <a:schemeClr val="tx1"/>
+            </a:fontRef>
+          </p:style>
+        </p:cxnSp>
+      </p:grpSp>
+      <p:grpSp>
+        <p:nvGrpSpPr>
+          <p:cNvPr id="3" name="Group 66"/>
+          <p:cNvGrpSpPr/>
+          <p:nvPr/>
+        </p:nvGrpSpPr>
+        <p:grpSpPr>
+          <a:xfrm>
+            <a:off x="4590437" y="3447447"/>
+            <a:ext cx="3176" cy="1255990"/>
+            <a:chOff x="4590437" y="3447447"/>
+            <a:chExt cx="3176" cy="1255990"/>
+          </a:xfrm>
+        </p:grpSpPr>
+        <p:cxnSp>
+          <p:nvCxnSpPr>
+            <p:cNvPr id="27" name="Straight Arrow Connector 26"/>
+            <p:cNvCxnSpPr/>
+            <p:nvPr/>
+          </p:nvCxnSpPr>
+          <p:spPr>
+            <a:xfrm rot="5400000">
+              <a:off x="3964824" y="4074648"/>
+              <a:ext cx="1255990" cy="1588"/>
+            </a:xfrm>
+            <a:prstGeom prst="straightConnector1">
+              <a:avLst/>
+            </a:prstGeom>
+            <a:ln>
+              <a:headEnd type="triangle" w="lg" len="lg"/>
+              <a:tailEnd type="triangle" w="lg" len="lg"/>
+            </a:ln>
+            <a:effectLst/>
+          </p:spPr>
+          <p:style>
+            <a:lnRef idx="2">
+              <a:schemeClr val="accent1"/>
+            </a:lnRef>
+            <a:fillRef idx="0">
+              <a:schemeClr val="accent1"/>
+            </a:fillRef>
+            <a:effectRef idx="1">
+              <a:schemeClr val="accent1"/>
+            </a:effectRef>
+            <a:fontRef idx="minor">
+              <a:schemeClr val="tx1"/>
+            </a:fontRef>
+          </p:style>
+        </p:cxnSp>
+        <p:cxnSp>
+          <p:nvCxnSpPr>
+            <p:cNvPr id="28" name="Straight Arrow Connector 27"/>
+            <p:cNvCxnSpPr/>
+            <p:nvPr/>
+          </p:nvCxnSpPr>
+          <p:spPr>
+            <a:xfrm rot="5400000">
+              <a:off x="4433994" y="4438883"/>
+              <a:ext cx="314474" cy="1588"/>
+            </a:xfrm>
+            <a:prstGeom prst="straightConnector1">
+              <a:avLst/>
+            </a:prstGeom>
+            <a:ln>
+              <a:headEnd type="none"/>
+              <a:tailEnd type="triangle" w="lg" len="lg"/>
+            </a:ln>
+            <a:effectLst/>
+          </p:spPr>
+          <p:style>
+            <a:lnRef idx="2">
+              <a:schemeClr val="accent1"/>
+            </a:lnRef>
+            <a:fillRef idx="0">
+              <a:schemeClr val="accent1"/>
+            </a:fillRef>
+            <a:effectRef idx="1">
+              <a:schemeClr val="accent1"/>
+            </a:effectRef>
+            <a:fontRef idx="minor">
+              <a:schemeClr val="tx1"/>
+            </a:fontRef>
+          </p:style>
+        </p:cxnSp>
+      </p:grpSp>
+      <p:grpSp>
+        <p:nvGrpSpPr>
+          <p:cNvPr id="5" name="Group 28"/>
+          <p:cNvGrpSpPr/>
+          <p:nvPr/>
+        </p:nvGrpSpPr>
+        <p:grpSpPr>
+          <a:xfrm>
+            <a:off x="4455885" y="2530191"/>
+            <a:ext cx="3176" cy="514066"/>
+            <a:chOff x="5416566" y="1432116"/>
+            <a:chExt cx="3176" cy="514066"/>
+          </a:xfrm>
+        </p:grpSpPr>
+        <p:cxnSp>
+          <p:nvCxnSpPr>
+            <p:cNvPr id="30" name="Straight Arrow Connector 29"/>
+            <p:cNvCxnSpPr/>
+            <p:nvPr/>
+          </p:nvCxnSpPr>
+          <p:spPr>
+            <a:xfrm rot="5400000">
+              <a:off x="5160327" y="1688355"/>
+              <a:ext cx="514066" cy="1588"/>
+            </a:xfrm>
+            <a:prstGeom prst="straightConnector1">
+              <a:avLst/>
+            </a:prstGeom>
+            <a:ln>
+              <a:headEnd type="triangle" w="lg" len="lg"/>
+              <a:tailEnd type="triangle" w="lg" len="lg"/>
+            </a:ln>
+            <a:effectLst/>
+          </p:spPr>
+          <p:style>
+            <a:lnRef idx="2">
+              <a:schemeClr val="accent1"/>
+            </a:lnRef>
+            <a:fillRef idx="0">
+              <a:schemeClr val="accent1"/>
+            </a:fillRef>
+            <a:effectRef idx="1">
+              <a:schemeClr val="accent1"/>
+            </a:effectRef>
+            <a:fontRef idx="minor">
+              <a:schemeClr val="tx1"/>
+            </a:fontRef>
+          </p:style>
+        </p:cxnSp>
+        <p:cxnSp>
+          <p:nvCxnSpPr>
+            <p:cNvPr id="31" name="Straight Arrow Connector 30"/>
+            <p:cNvCxnSpPr/>
+            <p:nvPr/>
+          </p:nvCxnSpPr>
+          <p:spPr>
+            <a:xfrm rot="5400000">
+              <a:off x="5261711" y="1682514"/>
+              <a:ext cx="314474" cy="1588"/>
+            </a:xfrm>
+            <a:prstGeom prst="straightConnector1">
+              <a:avLst/>
+            </a:prstGeom>
+            <a:ln>
+              <a:headEnd type="none"/>
+              <a:tailEnd type="triangle" w="lg" len="lg"/>
+            </a:ln>
+            <a:effectLst/>
+          </p:spPr>
+          <p:style>
+            <a:lnRef idx="2">
+              <a:schemeClr val="accent1"/>
+            </a:lnRef>
+            <a:fillRef idx="0">
+              <a:schemeClr val="accent1"/>
+            </a:fillRef>
+            <a:effectRef idx="1">
+              <a:schemeClr val="accent1"/>
+            </a:effectRef>
+            <a:fontRef idx="minor">
+              <a:schemeClr val="tx1"/>
+            </a:fontRef>
+          </p:style>
+        </p:cxnSp>
+      </p:grpSp>
+      <p:cxnSp>
+        <p:nvCxnSpPr>
+          <p:cNvPr id="33" name="Straight Arrow Connector 32"/>
+          <p:cNvCxnSpPr/>
+          <p:nvPr/>
+        </p:nvCxnSpPr>
+        <p:spPr>
+          <a:xfrm rot="5400000">
+            <a:off x="1700460" y="3240806"/>
+            <a:ext cx="1501892" cy="1"/>
+          </a:xfrm>
+          <a:prstGeom prst="straightConnector1">
+            <a:avLst/>
+          </a:prstGeom>
+          <a:ln>
+            <a:headEnd type="triangle" w="lg" len="lg"/>
+            <a:tailEnd type="none" w="lg" len="lg"/>
+          </a:ln>
+          <a:effectLst/>
+        </p:spPr>
+        <p:style>
+          <a:lnRef idx="2">
+            <a:schemeClr val="accent1"/>
+          </a:lnRef>
+          <a:fillRef idx="0">
+            <a:schemeClr val="accent1"/>
+          </a:fillRef>
+          <a:effectRef idx="1">
+            <a:schemeClr val="accent1"/>
+          </a:effectRef>
+          <a:fontRef idx="minor">
+            <a:schemeClr val="tx1"/>
+          </a:fontRef>
+        </p:style>
+      </p:cxnSp>
+      <p:cxnSp>
+        <p:nvCxnSpPr>
+          <p:cNvPr id="36" name="Straight Arrow Connector 35"/>
+          <p:cNvCxnSpPr/>
+          <p:nvPr/>
+        </p:nvCxnSpPr>
+        <p:spPr>
+          <a:xfrm rot="5400000">
+            <a:off x="2479356" y="2882977"/>
+            <a:ext cx="766053" cy="1588"/>
+          </a:xfrm>
+          <a:prstGeom prst="straightConnector1">
+            <a:avLst/>
+          </a:prstGeom>
+          <a:ln>
+            <a:headEnd type="triangle" w="lg" len="lg"/>
+            <a:tailEnd type="none" w="lg" len="lg"/>
+          </a:ln>
+          <a:effectLst/>
+        </p:spPr>
+        <p:style>
+          <a:lnRef idx="2">
+            <a:schemeClr val="accent1"/>
+          </a:lnRef>
+          <a:fillRef idx="0">
+            <a:schemeClr val="accent1"/>
+          </a:fillRef>
+          <a:effectRef idx="1">
+            <a:schemeClr val="accent1"/>
+          </a:effectRef>
+          <a:fontRef idx="minor">
+            <a:schemeClr val="tx1"/>
+          </a:fontRef>
+        </p:style>
+      </p:cxnSp>
+      <p:cxnSp>
+        <p:nvCxnSpPr>
+          <p:cNvPr id="40" name="Straight Arrow Connector 39"/>
+          <p:cNvCxnSpPr/>
+          <p:nvPr/>
+        </p:nvCxnSpPr>
+        <p:spPr>
+          <a:xfrm>
+            <a:off x="2861588" y="3266798"/>
+            <a:ext cx="913977" cy="1588"/>
+          </a:xfrm>
+          <a:prstGeom prst="straightConnector1">
+            <a:avLst/>
+          </a:prstGeom>
+          <a:ln>
+            <a:tailEnd type="triangle" w="lg" len="lg"/>
+          </a:ln>
+          <a:effectLst/>
+        </p:spPr>
+        <p:style>
+          <a:lnRef idx="2">
+            <a:schemeClr val="accent1"/>
+          </a:lnRef>
+          <a:fillRef idx="0">
+            <a:schemeClr val="accent1"/>
+          </a:fillRef>
+          <a:effectRef idx="1">
+            <a:schemeClr val="accent1"/>
+          </a:effectRef>
+          <a:fontRef idx="minor">
+            <a:schemeClr val="tx1"/>
+          </a:fontRef>
+        </p:style>
+      </p:cxnSp>
+      <p:cxnSp>
+        <p:nvCxnSpPr>
+          <p:cNvPr id="43" name="Straight Arrow Connector 42"/>
+          <p:cNvCxnSpPr/>
+          <p:nvPr/>
+        </p:nvCxnSpPr>
+        <p:spPr>
+          <a:xfrm>
+            <a:off x="3161091" y="3268386"/>
+            <a:ext cx="511249" cy="1588"/>
+          </a:xfrm>
+          <a:prstGeom prst="straightConnector1">
+            <a:avLst/>
+          </a:prstGeom>
+          <a:ln>
+            <a:tailEnd type="triangle" w="lg" len="lg"/>
+          </a:ln>
+          <a:effectLst/>
+        </p:spPr>
+        <p:style>
+          <a:lnRef idx="2">
+            <a:schemeClr val="accent1"/>
+          </a:lnRef>
+          <a:fillRef idx="0">
+            <a:schemeClr val="accent1"/>
+          </a:fillRef>
+          <a:effectRef idx="1">
+            <a:schemeClr val="accent1"/>
+          </a:effectRef>
+          <a:fontRef idx="minor">
+            <a:schemeClr val="tx1"/>
+          </a:fontRef>
+        </p:style>
+      </p:cxnSp>
+      <p:sp>
+        <p:nvSpPr>
+          <p:cNvPr id="8" name="Rectangle 7"/>
+          <p:cNvSpPr/>
+          <p:nvPr/>
+        </p:nvSpPr>
+        <p:spPr>
+          <a:xfrm>
+            <a:off x="3775565" y="4703437"/>
+            <a:ext cx="1360639" cy="403190"/>
+          </a:xfrm>
+          <a:prstGeom prst="rect">
+            <a:avLst/>
+          </a:prstGeom>
+          <a:noFill/>
+          <a:effectLst/>
+        </p:spPr>
+        <p:style>
+          <a:lnRef idx="1">
+            <a:schemeClr val="accent1"/>
+          </a:lnRef>
+          <a:fillRef idx="3">
+            <a:schemeClr val="accent1"/>
+          </a:fillRef>
+          <a:effectRef idx="2">
+            <a:schemeClr val="accent1"/>
+          </a:effectRef>
+          <a:fontRef idx="minor">
+            <a:schemeClr val="lt1"/>
+          </a:fontRef>
+        </p:style>
+        <p:txBody>
+          <a:bodyPr rtlCol="0" anchor="ctr"/>
+          <a:lstStyle/>
+          <a:p>
+            <a:pPr algn="ctr"/>
+            <a:r>
+              <a:rPr lang="en-US" sz="1200" dirty="0" smtClean="0">
+                <a:solidFill>
+                  <a:schemeClr val="tx1">
+                    <a:lumMod val="50000"/>
+                    <a:lumOff val="50000"/>
+                  </a:schemeClr>
+                </a:solidFill>
+              </a:rPr>
+              <a:t>Product</a:t>
+            </a:r>
+            <a:endParaRPr lang="en-US" sz="1200" dirty="0">
+              <a:solidFill>
+                <a:schemeClr val="tx1">
+                  <a:lumMod val="50000"/>
+                  <a:lumOff val="50000"/>
+                </a:schemeClr>
+              </a:solidFill>
+            </a:endParaRPr>
+          </a:p>
+        </p:txBody>
+      </p:sp>
+      <p:cxnSp>
+        <p:nvCxnSpPr>
+          <p:cNvPr id="45" name="Straight Arrow Connector 44"/>
+          <p:cNvCxnSpPr/>
+          <p:nvPr/>
+        </p:nvCxnSpPr>
+        <p:spPr>
+          <a:xfrm>
+            <a:off x="2048001" y="4920299"/>
+            <a:ext cx="1738858" cy="1588"/>
+          </a:xfrm>
+          <a:prstGeom prst="straightConnector1">
+            <a:avLst/>
+          </a:prstGeom>
+          <a:ln>
+            <a:tailEnd type="triangle" w="lg" len="lg"/>
+          </a:ln>
+          <a:effectLst/>
+        </p:spPr>
+        <p:style>
+          <a:lnRef idx="2">
+            <a:schemeClr val="accent1"/>
+          </a:lnRef>
+          <a:fillRef idx="0">
+            <a:schemeClr val="accent1"/>
+          </a:fillRef>
+          <a:effectRef idx="1">
+            <a:schemeClr val="accent1"/>
+          </a:effectRef>
+          <a:fontRef idx="minor">
+            <a:schemeClr val="tx1"/>
+          </a:fontRef>
+        </p:style>
+      </p:cxnSp>
+      <p:cxnSp>
+        <p:nvCxnSpPr>
+          <p:cNvPr id="46" name="Straight Arrow Connector 45"/>
+          <p:cNvCxnSpPr/>
+          <p:nvPr/>
+        </p:nvCxnSpPr>
+        <p:spPr>
+          <a:xfrm>
+            <a:off x="3172385" y="4918711"/>
+            <a:ext cx="511249" cy="1588"/>
+          </a:xfrm>
+          <a:prstGeom prst="straightConnector1">
+            <a:avLst/>
+          </a:prstGeom>
+          <a:ln>
+            <a:tailEnd type="triangle" w="lg" len="lg"/>
+          </a:ln>
+          <a:effectLst/>
+        </p:spPr>
+        <p:style>
+          <a:lnRef idx="2">
+            <a:schemeClr val="accent1"/>
+          </a:lnRef>
+          <a:fillRef idx="0">
+            <a:schemeClr val="accent1"/>
+          </a:fillRef>
+          <a:effectRef idx="1">
+            <a:schemeClr val="accent1"/>
+          </a:effectRef>
+          <a:fontRef idx="minor">
+            <a:schemeClr val="tx1"/>
+          </a:fontRef>
+        </p:style>
+      </p:cxnSp>
+      <p:cxnSp>
+        <p:nvCxnSpPr>
+          <p:cNvPr id="48" name="Straight Arrow Connector 47"/>
+          <p:cNvCxnSpPr/>
+          <p:nvPr/>
+        </p:nvCxnSpPr>
+        <p:spPr>
+          <a:xfrm>
+            <a:off x="5142556" y="4917123"/>
+            <a:ext cx="1236920" cy="1588"/>
+          </a:xfrm>
+          <a:prstGeom prst="straightConnector1">
+            <a:avLst/>
+          </a:prstGeom>
+          <a:ln>
+            <a:headEnd type="triangle" w="lg" len="lg"/>
+            <a:tailEnd type="triangle" w="lg" len="lg"/>
+          </a:ln>
+          <a:effectLst/>
+        </p:spPr>
+        <p:style>
+          <a:lnRef idx="2">
+            <a:schemeClr val="accent1"/>
+          </a:lnRef>
+          <a:fillRef idx="0">
+            <a:schemeClr val="accent1"/>
+          </a:fillRef>
+          <a:effectRef idx="1">
+            <a:schemeClr val="accent1"/>
+          </a:effectRef>
+          <a:fontRef idx="minor">
+            <a:schemeClr val="tx1"/>
+          </a:fontRef>
+        </p:style>
+      </p:cxnSp>
+      <p:sp>
+        <p:nvSpPr>
+          <p:cNvPr id="51" name="Rectangle 50"/>
+          <p:cNvSpPr/>
+          <p:nvPr/>
+        </p:nvSpPr>
+        <p:spPr>
+          <a:xfrm>
+            <a:off x="6379476" y="4733669"/>
+            <a:ext cx="1360639" cy="403190"/>
+          </a:xfrm>
+          <a:prstGeom prst="rect">
+            <a:avLst/>
+          </a:prstGeom>
+          <a:noFill/>
+          <a:effectLst/>
+        </p:spPr>
+        <p:style>
+          <a:lnRef idx="1">
+            <a:schemeClr val="accent1"/>
+          </a:lnRef>
+          <a:fillRef idx="3">
+            <a:schemeClr val="accent1"/>
+          </a:fillRef>
+          <a:effectRef idx="2">
+            <a:schemeClr val="accent1"/>
+          </a:effectRef>
+          <a:fontRef idx="minor">
+            <a:schemeClr val="lt1"/>
+          </a:fontRef>
+        </p:style>
+        <p:txBody>
+          <a:bodyPr rtlCol="0" anchor="ctr"/>
+          <a:lstStyle/>
+          <a:p>
+            <a:pPr algn="ctr"/>
+            <a:r>
+              <a:rPr lang="en-US" sz="1200" dirty="0" err="1" smtClean="0">
+                <a:solidFill>
+                  <a:schemeClr val="tx1">
+                    <a:lumMod val="50000"/>
+                    <a:lumOff val="50000"/>
+                  </a:schemeClr>
+                </a:solidFill>
+              </a:rPr>
+              <a:t>Netsuite</a:t>
+            </a:r>
+            <a:r>
+              <a:rPr lang="en-US" sz="1200" dirty="0" smtClean="0">
+                <a:solidFill>
+                  <a:schemeClr val="tx1">
+                    <a:lumMod val="50000"/>
+                    <a:lumOff val="50000"/>
+                  </a:schemeClr>
+                </a:solidFill>
+              </a:rPr>
+              <a:t> Item</a:t>
+            </a:r>
+            <a:endParaRPr lang="en-US" sz="1200" dirty="0">
+              <a:solidFill>
+                <a:schemeClr val="tx1">
+                  <a:lumMod val="50000"/>
+                  <a:lumOff val="50000"/>
+                </a:schemeClr>
+              </a:solidFill>
+            </a:endParaRPr>
+          </a:p>
+        </p:txBody>
+      </p:sp>
+      <p:sp>
+        <p:nvSpPr>
+          <p:cNvPr id="53" name="TextBox 52"/>
+          <p:cNvSpPr txBox="1"/>
+          <p:nvPr/>
+        </p:nvSpPr>
+        <p:spPr>
+          <a:xfrm>
+            <a:off x="537787" y="5403675"/>
+            <a:ext cx="6634395" cy="307777"/>
+          </a:xfrm>
+          <a:prstGeom prst="rect">
+            <a:avLst/>
+          </a:prstGeom>
+          <a:noFill/>
+        </p:spPr>
+        <p:txBody>
+          <a:bodyPr wrap="square" rtlCol="0">
+            <a:spAutoFit/>
+          </a:bodyPr>
+          <a:lstStyle/>
+          <a:p>
+            <a:r>
+              <a:rPr lang="en-US" sz="1400" dirty="0"/>
+              <a:t>S</a:t>
+            </a:r>
+            <a:r>
+              <a:rPr lang="en-US" sz="1400" dirty="0" smtClean="0"/>
+              <a:t>chema of  Rails database — or at least the part of it related to products  [ in ‘Model 2’ </a:t>
+            </a:r>
+            <a:r>
+              <a:rPr lang="en-US" sz="1400" dirty="0" smtClean="0"/>
+              <a:t>].  </a:t>
+            </a:r>
+            <a:endParaRPr lang="en-US" sz="1400" dirty="0"/>
+          </a:p>
+        </p:txBody>
+      </p:sp>
+      <p:sp>
+        <p:nvSpPr>
+          <p:cNvPr id="54" name="TextBox 53"/>
+          <p:cNvSpPr txBox="1"/>
+          <p:nvPr/>
+        </p:nvSpPr>
+        <p:spPr>
+          <a:xfrm>
+            <a:off x="638331" y="200022"/>
+            <a:ext cx="6950004" cy="261610"/>
+          </a:xfrm>
+          <a:prstGeom prst="rect">
+            <a:avLst/>
+          </a:prstGeom>
+          <a:noFill/>
+        </p:spPr>
+        <p:txBody>
+          <a:bodyPr wrap="square" rtlCol="0">
+            <a:spAutoFit/>
+          </a:bodyPr>
+          <a:lstStyle/>
+          <a:p>
+            <a:r>
+              <a:rPr lang="en-US" sz="1100" i="1" dirty="0" smtClean="0"/>
+              <a:t>This is the most natural choice for simple products that don’t have models — the bulk of the </a:t>
+            </a:r>
+            <a:r>
+              <a:rPr lang="en-US" sz="1100" i="1" dirty="0" err="1" smtClean="0"/>
+              <a:t>Tru</a:t>
+            </a:r>
+            <a:r>
+              <a:rPr lang="en-US" sz="1100" i="1" dirty="0" smtClean="0"/>
+              <a:t>-Medical product set </a:t>
+            </a:r>
+            <a:endParaRPr lang="en-US" sz="1100" i="1" dirty="0"/>
+          </a:p>
+        </p:txBody>
+      </p:sp>
+      <p:sp>
+        <p:nvSpPr>
+          <p:cNvPr id="55" name="TextBox 54"/>
+          <p:cNvSpPr txBox="1"/>
+          <p:nvPr/>
+        </p:nvSpPr>
+        <p:spPr>
+          <a:xfrm>
+            <a:off x="4024965" y="3509126"/>
+            <a:ext cx="629180" cy="261610"/>
+          </a:xfrm>
+          <a:prstGeom prst="rect">
+            <a:avLst/>
+          </a:prstGeom>
+          <a:noFill/>
+        </p:spPr>
+        <p:txBody>
+          <a:bodyPr wrap="none" rtlCol="0">
+            <a:spAutoFit/>
+          </a:bodyPr>
+          <a:lstStyle/>
+          <a:p>
+            <a:r>
+              <a:rPr lang="en-US" sz="1100" i="1" dirty="0" smtClean="0"/>
+              <a:t>models</a:t>
+            </a:r>
+            <a:endParaRPr lang="en-US" sz="1100" i="1" dirty="0"/>
+          </a:p>
+        </p:txBody>
+      </p:sp>
+      <p:sp>
+        <p:nvSpPr>
+          <p:cNvPr id="57" name="TextBox 56"/>
+          <p:cNvSpPr txBox="1"/>
+          <p:nvPr/>
+        </p:nvSpPr>
+        <p:spPr>
+          <a:xfrm>
+            <a:off x="5142556" y="2056431"/>
+            <a:ext cx="1286010" cy="769441"/>
+          </a:xfrm>
+          <a:prstGeom prst="rect">
+            <a:avLst/>
+          </a:prstGeom>
+          <a:noFill/>
+        </p:spPr>
+        <p:txBody>
+          <a:bodyPr wrap="none" rtlCol="0">
+            <a:spAutoFit/>
+          </a:bodyPr>
+          <a:lstStyle/>
+          <a:p>
+            <a:r>
+              <a:rPr lang="en-US" sz="1100" i="1" dirty="0" smtClean="0">
+                <a:solidFill>
+                  <a:srgbClr val="7F7F7F"/>
+                </a:solidFill>
+              </a:rPr>
+              <a:t>properties:</a:t>
+            </a:r>
+          </a:p>
+          <a:p>
+            <a:r>
+              <a:rPr lang="en-US" sz="1100" i="1" dirty="0" smtClean="0">
+                <a:solidFill>
+                  <a:srgbClr val="7F7F7F"/>
+                </a:solidFill>
+              </a:rPr>
+              <a:t>    name: string</a:t>
+            </a:r>
+          </a:p>
+          <a:p>
+            <a:r>
+              <a:rPr lang="en-US" sz="1100" i="1" dirty="0" smtClean="0">
+                <a:solidFill>
+                  <a:srgbClr val="7F7F7F"/>
+                </a:solidFill>
+              </a:rPr>
+              <a:t>    </a:t>
+            </a:r>
+            <a:r>
+              <a:rPr lang="en-US" sz="1100" i="1" dirty="0" err="1" smtClean="0">
+                <a:solidFill>
+                  <a:srgbClr val="7F7F7F"/>
+                </a:solidFill>
+              </a:rPr>
+              <a:t>logomark:image</a:t>
+            </a:r>
+            <a:endParaRPr lang="en-US" sz="1100" i="1" dirty="0" smtClean="0">
+              <a:solidFill>
+                <a:srgbClr val="7F7F7F"/>
+              </a:solidFill>
+            </a:endParaRPr>
+          </a:p>
+          <a:p>
+            <a:r>
+              <a:rPr lang="en-US" sz="1100" i="1" dirty="0" smtClean="0">
+                <a:solidFill>
+                  <a:srgbClr val="7F7F7F"/>
+                </a:solidFill>
+              </a:rPr>
+              <a:t>    </a:t>
+            </a:r>
+            <a:r>
+              <a:rPr lang="en-US" sz="1100" i="1" dirty="0" err="1" smtClean="0">
+                <a:solidFill>
+                  <a:srgbClr val="7F7F7F"/>
+                </a:solidFill>
+              </a:rPr>
+              <a:t>description;text</a:t>
+            </a:r>
+            <a:endParaRPr lang="en-US" sz="1100" i="1" dirty="0">
+              <a:solidFill>
+                <a:srgbClr val="7F7F7F"/>
+              </a:solidFill>
+            </a:endParaRPr>
+          </a:p>
+        </p:txBody>
+      </p:sp>
+      <p:sp>
+        <p:nvSpPr>
+          <p:cNvPr id="61" name="TextBox 60"/>
+          <p:cNvSpPr txBox="1"/>
+          <p:nvPr/>
+        </p:nvSpPr>
+        <p:spPr>
+          <a:xfrm>
+            <a:off x="4790977" y="3500246"/>
+            <a:ext cx="858340" cy="261610"/>
+          </a:xfrm>
+          <a:prstGeom prst="rect">
+            <a:avLst/>
+          </a:prstGeom>
+          <a:noFill/>
+        </p:spPr>
+        <p:txBody>
+          <a:bodyPr wrap="none" rtlCol="0">
+            <a:spAutoFit/>
+          </a:bodyPr>
+          <a:lstStyle/>
+          <a:p>
+            <a:r>
+              <a:rPr lang="en-US" sz="1100" i="1" dirty="0" smtClean="0"/>
+              <a:t>accessories</a:t>
+            </a:r>
+            <a:endParaRPr lang="en-US" sz="1100" i="1" dirty="0"/>
+          </a:p>
+        </p:txBody>
+      </p:sp>
+      <p:sp>
+        <p:nvSpPr>
+          <p:cNvPr id="39" name="Rectangle 38"/>
+          <p:cNvSpPr/>
+          <p:nvPr/>
+        </p:nvSpPr>
+        <p:spPr>
+          <a:xfrm>
+            <a:off x="2863177" y="3809472"/>
+            <a:ext cx="1360639" cy="403190"/>
+          </a:xfrm>
+          <a:prstGeom prst="rect">
+            <a:avLst/>
+          </a:prstGeom>
+          <a:noFill/>
+          <a:effectLst/>
+        </p:spPr>
+        <p:style>
+          <a:lnRef idx="1">
+            <a:schemeClr val="accent1"/>
+          </a:lnRef>
+          <a:fillRef idx="3">
+            <a:schemeClr val="accent1"/>
+          </a:fillRef>
+          <a:effectRef idx="2">
+            <a:schemeClr val="accent1"/>
+          </a:effectRef>
+          <a:fontRef idx="minor">
+            <a:schemeClr val="lt1"/>
+          </a:fontRef>
+        </p:style>
+        <p:txBody>
+          <a:bodyPr rtlCol="0" anchor="ctr"/>
+          <a:lstStyle/>
+          <a:p>
+            <a:pPr algn="ctr"/>
+            <a:r>
+              <a:rPr lang="en-US" sz="1200" dirty="0" err="1" smtClean="0">
+                <a:solidFill>
+                  <a:schemeClr val="tx1">
+                    <a:lumMod val="50000"/>
+                    <a:lumOff val="50000"/>
+                  </a:schemeClr>
+                </a:solidFill>
+              </a:rPr>
+              <a:t>ProductSet</a:t>
+            </a:r>
+            <a:endParaRPr lang="en-US" sz="1200" dirty="0">
+              <a:solidFill>
+                <a:schemeClr val="tx1">
+                  <a:lumMod val="50000"/>
+                  <a:lumOff val="50000"/>
+                </a:schemeClr>
+              </a:solidFill>
+            </a:endParaRPr>
+          </a:p>
+        </p:txBody>
+      </p:sp>
+      <p:grpSp>
+        <p:nvGrpSpPr>
+          <p:cNvPr id="14" name="Group 40"/>
+          <p:cNvGrpSpPr/>
+          <p:nvPr/>
+        </p:nvGrpSpPr>
+        <p:grpSpPr>
+          <a:xfrm>
+            <a:off x="3957757" y="4188485"/>
+            <a:ext cx="3176" cy="514066"/>
+            <a:chOff x="5416566" y="1432116"/>
+            <a:chExt cx="3176" cy="514066"/>
+          </a:xfrm>
+        </p:grpSpPr>
+        <p:cxnSp>
+          <p:nvCxnSpPr>
+            <p:cNvPr id="42" name="Straight Arrow Connector 41"/>
+            <p:cNvCxnSpPr/>
+            <p:nvPr/>
+          </p:nvCxnSpPr>
+          <p:spPr>
+            <a:xfrm rot="5400000">
+              <a:off x="5160327" y="1688355"/>
+              <a:ext cx="514066" cy="1588"/>
+            </a:xfrm>
+            <a:prstGeom prst="straightConnector1">
+              <a:avLst/>
+            </a:prstGeom>
+            <a:ln>
+              <a:headEnd type="triangle" w="lg" len="lg"/>
+              <a:tailEnd type="triangle" w="lg" len="lg"/>
+            </a:ln>
+            <a:effectLst/>
+          </p:spPr>
+          <p:style>
+            <a:lnRef idx="2">
+              <a:schemeClr val="accent1"/>
+            </a:lnRef>
+            <a:fillRef idx="0">
+              <a:schemeClr val="accent1"/>
+            </a:fillRef>
+            <a:effectRef idx="1">
+              <a:schemeClr val="accent1"/>
+            </a:effectRef>
+            <a:fontRef idx="minor">
+              <a:schemeClr val="tx1"/>
+            </a:fontRef>
+          </p:style>
+        </p:cxnSp>
+        <p:cxnSp>
+          <p:nvCxnSpPr>
+            <p:cNvPr id="44" name="Straight Arrow Connector 43"/>
+            <p:cNvCxnSpPr/>
+            <p:nvPr/>
+          </p:nvCxnSpPr>
+          <p:spPr>
+            <a:xfrm rot="5400000">
+              <a:off x="5261711" y="1682514"/>
+              <a:ext cx="314474" cy="1588"/>
+            </a:xfrm>
+            <a:prstGeom prst="straightConnector1">
+              <a:avLst/>
+            </a:prstGeom>
+            <a:ln>
+              <a:headEnd type="none"/>
+              <a:tailEnd type="triangle" w="lg" len="lg"/>
+            </a:ln>
+            <a:effectLst/>
+          </p:spPr>
+          <p:style>
+            <a:lnRef idx="2">
+              <a:schemeClr val="accent1"/>
+            </a:lnRef>
+            <a:fillRef idx="0">
+              <a:schemeClr val="accent1"/>
+            </a:fillRef>
+            <a:effectRef idx="1">
+              <a:schemeClr val="accent1"/>
+            </a:effectRef>
+            <a:fontRef idx="minor">
+              <a:schemeClr val="tx1"/>
+            </a:fontRef>
+          </p:style>
+        </p:cxnSp>
+      </p:grpSp>
+      <p:cxnSp>
+        <p:nvCxnSpPr>
+          <p:cNvPr id="49" name="Straight Arrow Connector 48"/>
+          <p:cNvCxnSpPr/>
+          <p:nvPr/>
+        </p:nvCxnSpPr>
+        <p:spPr>
+          <a:xfrm rot="5400000">
+            <a:off x="833575" y="3703493"/>
+            <a:ext cx="2427264" cy="1588"/>
+          </a:xfrm>
+          <a:prstGeom prst="straightConnector1">
+            <a:avLst/>
+          </a:prstGeom>
+          <a:ln>
+            <a:headEnd type="triangle" w="lg" len="lg"/>
+            <a:tailEnd type="none" w="lg" len="lg"/>
+          </a:ln>
+          <a:effectLst/>
+        </p:spPr>
+        <p:style>
+          <a:lnRef idx="2">
+            <a:schemeClr val="accent1"/>
+          </a:lnRef>
+          <a:fillRef idx="0">
+            <a:schemeClr val="accent1"/>
+          </a:fillRef>
+          <a:effectRef idx="1">
+            <a:schemeClr val="accent1"/>
+          </a:effectRef>
+          <a:fontRef idx="minor">
+            <a:schemeClr val="tx1"/>
+          </a:fontRef>
+        </p:style>
+      </p:cxnSp>
+      <p:cxnSp>
+        <p:nvCxnSpPr>
+          <p:cNvPr id="50" name="Straight Arrow Connector 49"/>
+          <p:cNvCxnSpPr/>
+          <p:nvPr/>
+        </p:nvCxnSpPr>
+        <p:spPr>
+          <a:xfrm>
+            <a:off x="2451405" y="4007746"/>
+            <a:ext cx="451952" cy="1588"/>
+          </a:xfrm>
+          <a:prstGeom prst="straightConnector1">
+            <a:avLst/>
+          </a:prstGeom>
+          <a:ln>
+            <a:tailEnd type="triangle" w="lg" len="lg"/>
+          </a:ln>
+          <a:effectLst/>
+        </p:spPr>
+        <p:style>
+          <a:lnRef idx="2">
+            <a:schemeClr val="accent1"/>
+          </a:lnRef>
+          <a:fillRef idx="0">
+            <a:schemeClr val="accent1"/>
+          </a:fillRef>
+          <a:effectRef idx="1">
+            <a:schemeClr val="accent1"/>
+          </a:effectRef>
+          <a:fontRef idx="minor">
+            <a:schemeClr val="tx1"/>
+          </a:fontRef>
+        </p:style>
+      </p:cxnSp>
+      <p:cxnSp>
+        <p:nvCxnSpPr>
+          <p:cNvPr id="56" name="Straight Arrow Connector 55"/>
+          <p:cNvCxnSpPr/>
+          <p:nvPr/>
+        </p:nvCxnSpPr>
+        <p:spPr>
+          <a:xfrm>
+            <a:off x="2549939" y="4009334"/>
+            <a:ext cx="250193" cy="1588"/>
+          </a:xfrm>
+          <a:prstGeom prst="straightConnector1">
+            <a:avLst/>
+          </a:prstGeom>
+          <a:ln>
+            <a:tailEnd type="triangle" w="lg" len="lg"/>
+          </a:ln>
+          <a:effectLst/>
+        </p:spPr>
+        <p:style>
+          <a:lnRef idx="2">
+            <a:schemeClr val="accent1"/>
+          </a:lnRef>
+          <a:fillRef idx="0">
+            <a:schemeClr val="accent1"/>
+          </a:fillRef>
+          <a:effectRef idx="1">
+            <a:schemeClr val="accent1"/>
+          </a:effectRef>
+          <a:fontRef idx="minor">
+            <a:schemeClr val="tx1"/>
+          </a:fontRef>
+        </p:style>
+      </p:cxnSp>
+      <p:grpSp>
+        <p:nvGrpSpPr>
+          <p:cNvPr id="16" name="Group 67"/>
+          <p:cNvGrpSpPr/>
+          <p:nvPr/>
+        </p:nvGrpSpPr>
+        <p:grpSpPr>
+          <a:xfrm>
+            <a:off x="4796202" y="3450439"/>
+            <a:ext cx="3176" cy="1255990"/>
+            <a:chOff x="4590437" y="3447447"/>
+            <a:chExt cx="3176" cy="1255990"/>
+          </a:xfrm>
+        </p:grpSpPr>
+        <p:cxnSp>
+          <p:nvCxnSpPr>
+            <p:cNvPr id="69" name="Straight Arrow Connector 68"/>
+            <p:cNvCxnSpPr/>
+            <p:nvPr/>
+          </p:nvCxnSpPr>
+          <p:spPr>
+            <a:xfrm rot="5400000">
+              <a:off x="3964824" y="4074648"/>
+              <a:ext cx="1255990" cy="1588"/>
+            </a:xfrm>
+            <a:prstGeom prst="straightConnector1">
+              <a:avLst/>
+            </a:prstGeom>
+            <a:ln>
+              <a:headEnd type="triangle" w="lg" len="lg"/>
+              <a:tailEnd type="triangle" w="lg" len="lg"/>
+            </a:ln>
+            <a:effectLst/>
+          </p:spPr>
+          <p:style>
+            <a:lnRef idx="2">
+              <a:schemeClr val="accent1"/>
+            </a:lnRef>
+            <a:fillRef idx="0">
+              <a:schemeClr val="accent1"/>
+            </a:fillRef>
+            <a:effectRef idx="1">
+              <a:schemeClr val="accent1"/>
+            </a:effectRef>
+            <a:fontRef idx="minor">
+              <a:schemeClr val="tx1"/>
+            </a:fontRef>
+          </p:style>
+        </p:cxnSp>
+        <p:cxnSp>
+          <p:nvCxnSpPr>
+            <p:cNvPr id="70" name="Straight Arrow Connector 69"/>
+            <p:cNvCxnSpPr/>
+            <p:nvPr/>
+          </p:nvCxnSpPr>
+          <p:spPr>
+            <a:xfrm rot="5400000">
+              <a:off x="4433994" y="4438883"/>
+              <a:ext cx="314474" cy="1588"/>
+            </a:xfrm>
+            <a:prstGeom prst="straightConnector1">
+              <a:avLst/>
+            </a:prstGeom>
+            <a:ln>
+              <a:headEnd type="none"/>
+              <a:tailEnd type="triangle" w="lg" len="lg"/>
+            </a:ln>
+            <a:effectLst/>
+          </p:spPr>
+          <p:style>
+            <a:lnRef idx="2">
+              <a:schemeClr val="accent1"/>
+            </a:lnRef>
+            <a:fillRef idx="0">
+              <a:schemeClr val="accent1"/>
+            </a:fillRef>
+            <a:effectRef idx="1">
+              <a:schemeClr val="accent1"/>
+            </a:effectRef>
+            <a:fontRef idx="minor">
+              <a:schemeClr val="tx1"/>
+            </a:fontRef>
+          </p:style>
+        </p:cxnSp>
+      </p:grpSp>
+      <p:sp>
+        <p:nvSpPr>
+          <p:cNvPr id="71" name="TextBox 70"/>
+          <p:cNvSpPr txBox="1"/>
+          <p:nvPr/>
+        </p:nvSpPr>
+        <p:spPr>
+          <a:xfrm>
+            <a:off x="2988741" y="4212662"/>
+            <a:ext cx="1039492" cy="261610"/>
+          </a:xfrm>
+          <a:prstGeom prst="rect">
+            <a:avLst/>
+          </a:prstGeom>
+          <a:noFill/>
+        </p:spPr>
+        <p:txBody>
+          <a:bodyPr wrap="none" rtlCol="0">
+            <a:spAutoFit/>
+          </a:bodyPr>
+          <a:lstStyle/>
+          <a:p>
+            <a:r>
+              <a:rPr lang="en-US" sz="1100" i="1" dirty="0" smtClean="0"/>
+              <a:t>configurations</a:t>
+            </a:r>
+            <a:endParaRPr lang="en-US" sz="1100" i="1" dirty="0"/>
+          </a:p>
+        </p:txBody>
+      </p:sp>
+      <p:grpSp>
+        <p:nvGrpSpPr>
+          <p:cNvPr id="19" name="Group 71"/>
+          <p:cNvGrpSpPr/>
+          <p:nvPr/>
+        </p:nvGrpSpPr>
+        <p:grpSpPr>
+          <a:xfrm>
+            <a:off x="4110157" y="4202149"/>
+            <a:ext cx="3176" cy="514066"/>
+            <a:chOff x="5416566" y="1432116"/>
+            <a:chExt cx="3176" cy="514066"/>
+          </a:xfrm>
+        </p:grpSpPr>
+        <p:cxnSp>
+          <p:nvCxnSpPr>
+            <p:cNvPr id="73" name="Straight Arrow Connector 72"/>
+            <p:cNvCxnSpPr/>
+            <p:nvPr/>
+          </p:nvCxnSpPr>
+          <p:spPr>
+            <a:xfrm rot="5400000">
+              <a:off x="5160327" y="1688355"/>
+              <a:ext cx="514066" cy="1588"/>
+            </a:xfrm>
+            <a:prstGeom prst="straightConnector1">
+              <a:avLst/>
+            </a:prstGeom>
+            <a:ln>
+              <a:solidFill>
+                <a:schemeClr val="bg1">
+                  <a:lumMod val="75000"/>
+                </a:schemeClr>
+              </a:solidFill>
+              <a:headEnd type="triangle" w="lg" len="lg"/>
+              <a:tailEnd type="triangle" w="lg" len="lg"/>
+            </a:ln>
+            <a:effectLst/>
+          </p:spPr>
+          <p:style>
+            <a:lnRef idx="2">
+              <a:schemeClr val="accent1"/>
+            </a:lnRef>
+            <a:fillRef idx="0">
+              <a:schemeClr val="accent1"/>
+            </a:fillRef>
+            <a:effectRef idx="1">
+              <a:schemeClr val="accent1"/>
+            </a:effectRef>
+            <a:fontRef idx="minor">
+              <a:schemeClr val="tx1"/>
+            </a:fontRef>
+          </p:style>
+        </p:cxnSp>
+        <p:cxnSp>
+          <p:nvCxnSpPr>
+            <p:cNvPr id="74" name="Straight Arrow Connector 73"/>
+            <p:cNvCxnSpPr/>
+            <p:nvPr/>
+          </p:nvCxnSpPr>
+          <p:spPr>
+            <a:xfrm rot="5400000">
+              <a:off x="5261711" y="1682514"/>
+              <a:ext cx="314474" cy="1588"/>
+            </a:xfrm>
+            <a:prstGeom prst="straightConnector1">
+              <a:avLst/>
+            </a:prstGeom>
+            <a:ln>
+              <a:solidFill>
+                <a:schemeClr val="bg1">
+                  <a:lumMod val="75000"/>
+                </a:schemeClr>
+              </a:solidFill>
+              <a:headEnd type="none"/>
+              <a:tailEnd type="triangle" w="lg" len="lg"/>
+            </a:ln>
+            <a:effectLst/>
+          </p:spPr>
+          <p:style>
+            <a:lnRef idx="2">
+              <a:schemeClr val="accent1"/>
+            </a:lnRef>
+            <a:fillRef idx="0">
+              <a:schemeClr val="accent1"/>
+            </a:fillRef>
+            <a:effectRef idx="1">
+              <a:schemeClr val="accent1"/>
+            </a:effectRef>
+            <a:fontRef idx="minor">
+              <a:schemeClr val="tx1"/>
+            </a:fontRef>
+          </p:style>
+        </p:cxnSp>
+      </p:grpSp>
+      <p:sp>
+        <p:nvSpPr>
+          <p:cNvPr id="75" name="TextBox 74"/>
+          <p:cNvSpPr txBox="1"/>
+          <p:nvPr/>
+        </p:nvSpPr>
+        <p:spPr>
+          <a:xfrm>
+            <a:off x="4085037" y="4239752"/>
+            <a:ext cx="858340" cy="261610"/>
+          </a:xfrm>
+          <a:prstGeom prst="rect">
+            <a:avLst/>
+          </a:prstGeom>
+          <a:noFill/>
+          <a:ln>
+            <a:solidFill>
+              <a:schemeClr val="bg1">
+                <a:lumMod val="75000"/>
+              </a:schemeClr>
+            </a:solidFill>
+          </a:ln>
+        </p:spPr>
+        <p:txBody>
+          <a:bodyPr wrap="none" rtlCol="0">
+            <a:spAutoFit/>
+          </a:bodyPr>
+          <a:lstStyle/>
+          <a:p>
+            <a:r>
+              <a:rPr lang="en-US" sz="1100" i="1" dirty="0" smtClean="0">
+                <a:solidFill>
+                  <a:schemeClr val="bg1">
+                    <a:lumMod val="75000"/>
+                  </a:schemeClr>
+                </a:solidFill>
+              </a:rPr>
+              <a:t>accessories</a:t>
+            </a:r>
+            <a:endParaRPr lang="en-US" sz="1100" i="1" dirty="0">
+              <a:solidFill>
+                <a:schemeClr val="bg1">
+                  <a:lumMod val="75000"/>
+                </a:schemeClr>
+              </a:solidFill>
+            </a:endParaRPr>
+          </a:p>
+        </p:txBody>
+      </p:sp>
+      <p:sp>
+        <p:nvSpPr>
+          <p:cNvPr id="76" name="TextBox 75"/>
+          <p:cNvSpPr txBox="1"/>
+          <p:nvPr/>
+        </p:nvSpPr>
+        <p:spPr>
+          <a:xfrm>
+            <a:off x="350653" y="2236343"/>
+            <a:ext cx="1525227" cy="1615827"/>
+          </a:xfrm>
+          <a:prstGeom prst="rect">
+            <a:avLst/>
+          </a:prstGeom>
+          <a:noFill/>
+          <a:ln>
+            <a:noFill/>
+          </a:ln>
+        </p:spPr>
+        <p:txBody>
+          <a:bodyPr wrap="none" rtlCol="0">
+            <a:spAutoFit/>
+          </a:bodyPr>
+          <a:lstStyle/>
+          <a:p>
+            <a:r>
+              <a:rPr lang="en-US" sz="1100" i="1" dirty="0" smtClean="0">
+                <a:solidFill>
+                  <a:schemeClr val="bg1">
+                    <a:lumMod val="75000"/>
+                  </a:schemeClr>
+                </a:solidFill>
+              </a:rPr>
+              <a:t>Active Record does</a:t>
+            </a:r>
+          </a:p>
+          <a:p>
+            <a:r>
+              <a:rPr lang="en-US" sz="1100" i="1" dirty="0" smtClean="0">
+                <a:solidFill>
+                  <a:schemeClr val="bg1">
+                    <a:lumMod val="75000"/>
+                  </a:schemeClr>
+                </a:solidFill>
+              </a:rPr>
+              <a:t>subtypes by pushing </a:t>
+            </a:r>
+          </a:p>
+          <a:p>
+            <a:r>
+              <a:rPr lang="en-US" sz="1100" i="1" dirty="0" smtClean="0">
+                <a:solidFill>
+                  <a:schemeClr val="bg1">
+                    <a:lumMod val="75000"/>
+                  </a:schemeClr>
+                </a:solidFill>
+              </a:rPr>
+              <a:t>a type field into the </a:t>
+            </a:r>
+          </a:p>
+          <a:p>
+            <a:r>
+              <a:rPr lang="en-US" sz="1100" i="1" dirty="0" smtClean="0">
+                <a:solidFill>
+                  <a:schemeClr val="bg1">
+                    <a:lumMod val="75000"/>
+                  </a:schemeClr>
+                </a:solidFill>
+              </a:rPr>
+              <a:t>underlying SQL record</a:t>
+            </a:r>
+          </a:p>
+          <a:p>
+            <a:r>
+              <a:rPr lang="en-US" sz="1100" i="1" dirty="0" smtClean="0">
+                <a:solidFill>
+                  <a:schemeClr val="bg1">
+                    <a:lumMod val="75000"/>
+                  </a:schemeClr>
+                </a:solidFill>
+              </a:rPr>
+              <a:t>type, so we might as</a:t>
+            </a:r>
+          </a:p>
+          <a:p>
+            <a:r>
+              <a:rPr lang="en-US" sz="1100" i="1" dirty="0" smtClean="0">
+                <a:solidFill>
+                  <a:schemeClr val="bg1">
+                    <a:lumMod val="75000"/>
+                  </a:schemeClr>
+                </a:solidFill>
+              </a:rPr>
+              <a:t>well model this with</a:t>
+            </a:r>
+          </a:p>
+          <a:p>
+            <a:r>
+              <a:rPr lang="en-US" sz="1100" i="1" dirty="0" smtClean="0">
+                <a:solidFill>
+                  <a:schemeClr val="bg1">
+                    <a:lumMod val="75000"/>
+                  </a:schemeClr>
+                </a:solidFill>
+              </a:rPr>
+              <a:t>an explicit leaf-level? </a:t>
+            </a:r>
+          </a:p>
+          <a:p>
+            <a:r>
+              <a:rPr lang="en-US" sz="1100" i="1" dirty="0" smtClean="0">
+                <a:solidFill>
+                  <a:schemeClr val="bg1">
+                    <a:lumMod val="75000"/>
+                  </a:schemeClr>
+                </a:solidFill>
+              </a:rPr>
+              <a:t>column in the category</a:t>
+            </a:r>
+          </a:p>
+          <a:p>
+            <a:r>
+              <a:rPr lang="en-US" sz="1100" i="1" dirty="0" smtClean="0">
+                <a:solidFill>
+                  <a:schemeClr val="bg1">
+                    <a:lumMod val="75000"/>
+                  </a:schemeClr>
+                </a:solidFill>
+              </a:rPr>
+              <a:t>record ourselves. </a:t>
+            </a:r>
+            <a:endParaRPr lang="en-US" sz="1100" i="1" dirty="0" smtClean="0">
+              <a:solidFill>
+                <a:schemeClr val="bg1">
+                  <a:lumMod val="75000"/>
+                </a:schemeClr>
+              </a:solidFill>
+            </a:endParaRPr>
+          </a:p>
+        </p:txBody>
+      </p:sp>
+      <p:sp>
+        <p:nvSpPr>
+          <p:cNvPr id="77" name="TextBox 76"/>
+          <p:cNvSpPr txBox="1"/>
+          <p:nvPr/>
+        </p:nvSpPr>
+        <p:spPr>
+          <a:xfrm>
+            <a:off x="553231" y="5710751"/>
+            <a:ext cx="6950004" cy="938719"/>
+          </a:xfrm>
+          <a:prstGeom prst="rect">
+            <a:avLst/>
+          </a:prstGeom>
+          <a:noFill/>
+        </p:spPr>
+        <p:txBody>
+          <a:bodyPr wrap="square" rtlCol="0">
+            <a:spAutoFit/>
+          </a:bodyPr>
+          <a:lstStyle/>
+          <a:p>
+            <a:r>
+              <a:rPr lang="en-US" sz="1100" dirty="0" err="1" smtClean="0"/>
+              <a:t>BaseProducts</a:t>
+            </a:r>
+            <a:r>
+              <a:rPr lang="en-US" sz="1100" dirty="0" smtClean="0"/>
+              <a:t> have been introduced to handle products that come in sizes and colors, etc.  If there are only two </a:t>
+            </a:r>
+            <a:r>
+              <a:rPr lang="en-US" sz="1100" dirty="0" smtClean="0"/>
+              <a:t>dimensions to this matrix of size and color, we may want to expand this to an explicit 2-level tree — or put a column in base product for each of the dimensions, and have the view code for a product page dealing with a base product handle it.  Or, as a 3</a:t>
+            </a:r>
+            <a:r>
+              <a:rPr lang="en-US" sz="1100" baseline="30000" dirty="0" smtClean="0"/>
+              <a:t>rd</a:t>
+            </a:r>
+            <a:r>
+              <a:rPr lang="en-US" sz="1100" dirty="0" smtClean="0"/>
+              <a:t> option, have the action for </a:t>
+            </a:r>
+            <a:r>
+              <a:rPr lang="en-US" sz="1100" dirty="0" err="1" smtClean="0"/>
+              <a:t>BaseProduct#show</a:t>
+            </a:r>
+            <a:r>
+              <a:rPr lang="en-US" sz="1100" dirty="0" smtClean="0"/>
+              <a:t>, sort it out into a tree that it sends to the view.  So the view doesn’t see the actual database records, but instead the tree structure created by the action. </a:t>
+            </a:r>
+            <a:endParaRPr lang="en-US" sz="1100" dirty="0"/>
+          </a:p>
+        </p:txBody>
+      </p:sp>
+      <p:sp>
+        <p:nvSpPr>
+          <p:cNvPr id="78" name="TextBox 77"/>
+          <p:cNvSpPr txBox="1"/>
+          <p:nvPr/>
+        </p:nvSpPr>
+        <p:spPr>
+          <a:xfrm>
+            <a:off x="504943" y="4348134"/>
+            <a:ext cx="1248249" cy="607268"/>
+          </a:xfrm>
+          <a:prstGeom prst="rect">
+            <a:avLst/>
+          </a:prstGeom>
+          <a:noFill/>
+          <a:ln>
+            <a:noFill/>
+          </a:ln>
+        </p:spPr>
+        <p:txBody>
+          <a:bodyPr wrap="square" rtlCol="0">
+            <a:spAutoFit/>
+          </a:bodyPr>
+          <a:lstStyle/>
+          <a:p>
+            <a:r>
+              <a:rPr lang="en-US" sz="1100" i="1" dirty="0" smtClean="0">
+                <a:solidFill>
+                  <a:schemeClr val="bg1">
+                    <a:lumMod val="75000"/>
+                  </a:schemeClr>
+                </a:solidFill>
+              </a:rPr>
+              <a:t>called ‘</a:t>
+            </a:r>
+            <a:r>
+              <a:rPr lang="en-US" sz="1100" i="1" dirty="0" err="1" smtClean="0">
+                <a:solidFill>
+                  <a:schemeClr val="bg1">
+                    <a:lumMod val="75000"/>
+                  </a:schemeClr>
+                </a:solidFill>
+              </a:rPr>
+              <a:t>ProductSet</a:t>
+            </a:r>
+            <a:r>
+              <a:rPr lang="en-US" sz="1100" i="1" dirty="0" smtClean="0">
+                <a:solidFill>
+                  <a:schemeClr val="bg1">
+                    <a:lumMod val="75000"/>
+                  </a:schemeClr>
+                </a:solidFill>
+              </a:rPr>
+              <a:t>’ in the current code base. Rename? </a:t>
+            </a:r>
+            <a:endParaRPr lang="en-US" sz="1100" i="1" dirty="0" smtClean="0">
+              <a:solidFill>
+                <a:schemeClr val="bg1">
+                  <a:lumMod val="75000"/>
+                </a:schemeClr>
+              </a:solidFill>
+            </a:endParaRPr>
+          </a:p>
+        </p:txBody>
+      </p:sp>
+      <p:cxnSp>
+        <p:nvCxnSpPr>
+          <p:cNvPr id="80" name="Straight Arrow Connector 79"/>
+          <p:cNvCxnSpPr/>
+          <p:nvPr/>
+        </p:nvCxnSpPr>
+        <p:spPr>
+          <a:xfrm flipV="1">
+            <a:off x="1709400" y="4021871"/>
+            <a:ext cx="1375055" cy="463350"/>
+          </a:xfrm>
+          <a:prstGeom prst="straightConnector1">
+            <a:avLst/>
+          </a:prstGeom>
+          <a:ln w="25400" cap="flat" cmpd="sng" algn="ctr">
+            <a:solidFill>
+              <a:schemeClr val="accent1"/>
+            </a:solidFill>
+            <a:prstDash val="sysDash"/>
+            <a:round/>
+            <a:headEnd type="none" w="med" len="med"/>
+            <a:tailEnd type="none" w="med" len="med"/>
+          </a:ln>
+          <a:effectLst/>
+        </p:spPr>
+        <p:style>
+          <a:lnRef idx="2">
+            <a:schemeClr val="accent1"/>
+          </a:lnRef>
+          <a:fillRef idx="0">
+            <a:schemeClr val="accent1"/>
+          </a:fillRef>
+          <a:effectRef idx="1">
+            <a:schemeClr val="accent1"/>
+          </a:effectRef>
+          <a:fontRef idx="minor">
+            <a:schemeClr val="tx1"/>
+          </a:fontRef>
+        </p:style>
+      </p:cxnSp>
     </p:spTree>
   </p:cSld>
   <p:clrMapOvr>
